--- a/Presentation.pptx
+++ b/Presentation.pptx
@@ -13657,8 +13657,8 @@
         </p:nvSpPr>
         <p:spPr>
           <a:xfrm>
-            <a:off x="779040" y="645120"/>
-            <a:ext cx="7592400" cy="624960"/>
+            <a:off x="457200" y="205200"/>
+            <a:ext cx="8229240" cy="858600"/>
           </a:xfrm>
           <a:prstGeom prst="rect">
             <a:avLst/>
@@ -13669,13 +13669,32 @@
             <a:noAutofit/>
           </a:bodyPr>
           <a:p>
+            <a:pPr algn="ctr"/>
             <a:r>
-              <a:rPr b="0" lang="en-IN" sz="1800" spc="-1" strike="noStrike">
+              <a:rPr b="0" lang="en-IN" sz="4400" spc="-1" strike="noStrike">
                 <a:latin typeface="Arial"/>
               </a:rPr>
-              <a:t>Click to edit the title text format</a:t>
+              <a:t>Click to </a:t>
             </a:r>
-            <a:endParaRPr b="0" lang="en-IN" sz="1800" spc="-1" strike="noStrike">
+            <a:r>
+              <a:rPr b="0" lang="en-IN" sz="4400" spc="-1" strike="noStrike">
+                <a:latin typeface="Arial"/>
+              </a:rPr>
+              <a:t>edit the </a:t>
+            </a:r>
+            <a:r>
+              <a:rPr b="0" lang="en-IN" sz="4400" spc="-1" strike="noStrike">
+                <a:latin typeface="Arial"/>
+              </a:rPr>
+              <a:t>title text </a:t>
+            </a:r>
+            <a:r>
+              <a:rPr b="0" lang="en-IN" sz="4400" spc="-1" strike="noStrike">
+                <a:latin typeface="Arial"/>
+              </a:rPr>
+              <a:t>format</a:t>
+            </a:r>
+            <a:endParaRPr b="0" lang="en-IN" sz="4400" spc="-1" strike="noStrike">
               <a:latin typeface="Arial"/>
             </a:endParaRPr>
           </a:p>
@@ -13694,7 +13713,7 @@
         <p:spPr>
           <a:xfrm>
             <a:off x="457200" y="1203480"/>
-            <a:ext cx="8228880" cy="2982600"/>
+            <a:ext cx="8229240" cy="2982960"/>
           </a:xfrm>
           <a:prstGeom prst="rect">
             <a:avLst/>
@@ -13717,12 +13736,12 @@
               <a:buChar char=""/>
             </a:pPr>
             <a:r>
-              <a:rPr b="0" lang="en-IN" sz="1800" spc="-1" strike="noStrike">
+              <a:rPr b="0" lang="en-IN" sz="3200" spc="-1" strike="noStrike">
                 <a:latin typeface="Arial"/>
               </a:rPr>
               <a:t>Click to edit the outline text format</a:t>
             </a:r>
-            <a:endParaRPr b="0" lang="en-IN" sz="1800" spc="-1" strike="noStrike">
+            <a:endParaRPr b="0" lang="en-IN" sz="3200" spc="-1" strike="noStrike">
               <a:latin typeface="Arial"/>
             </a:endParaRPr>
           </a:p>
@@ -13739,12 +13758,12 @@
               <a:buChar char=""/>
             </a:pPr>
             <a:r>
-              <a:rPr b="0" lang="en-IN" sz="1800" spc="-1" strike="noStrike">
+              <a:rPr b="0" lang="en-IN" sz="2800" spc="-1" strike="noStrike">
                 <a:latin typeface="Arial"/>
               </a:rPr>
               <a:t>Second Outline Level</a:t>
             </a:r>
-            <a:endParaRPr b="0" lang="en-IN" sz="1800" spc="-1" strike="noStrike">
+            <a:endParaRPr b="0" lang="en-IN" sz="2800" spc="-1" strike="noStrike">
               <a:latin typeface="Arial"/>
             </a:endParaRPr>
           </a:p>
@@ -13761,12 +13780,12 @@
               <a:buChar char=""/>
             </a:pPr>
             <a:r>
-              <a:rPr b="0" lang="en-IN" sz="1800" spc="-1" strike="noStrike">
+              <a:rPr b="0" lang="en-IN" sz="2400" spc="-1" strike="noStrike">
                 <a:latin typeface="Arial"/>
               </a:rPr>
               <a:t>Third Outline Level</a:t>
             </a:r>
-            <a:endParaRPr b="0" lang="en-IN" sz="1800" spc="-1" strike="noStrike">
+            <a:endParaRPr b="0" lang="en-IN" sz="2400" spc="-1" strike="noStrike">
               <a:latin typeface="Arial"/>
             </a:endParaRPr>
           </a:p>
@@ -13783,12 +13802,12 @@
               <a:buChar char=""/>
             </a:pPr>
             <a:r>
-              <a:rPr b="0" lang="en-IN" sz="1800" spc="-1" strike="noStrike">
+              <a:rPr b="0" lang="en-IN" sz="2000" spc="-1" strike="noStrike">
                 <a:latin typeface="Arial"/>
               </a:rPr>
               <a:t>Fourth Outline Level</a:t>
             </a:r>
-            <a:endParaRPr b="0" lang="en-IN" sz="1800" spc="-1" strike="noStrike">
+            <a:endParaRPr b="0" lang="en-IN" sz="2000" spc="-1" strike="noStrike">
               <a:latin typeface="Arial"/>
             </a:endParaRPr>
           </a:p>
@@ -13805,12 +13824,12 @@
               <a:buChar char=""/>
             </a:pPr>
             <a:r>
-              <a:rPr b="0" lang="en-IN" sz="1800" spc="-1" strike="noStrike">
+              <a:rPr b="0" lang="en-IN" sz="2000" spc="-1" strike="noStrike">
                 <a:latin typeface="Arial"/>
               </a:rPr>
               <a:t>Fifth Outline Level</a:t>
             </a:r>
-            <a:endParaRPr b="0" lang="en-IN" sz="1800" spc="-1" strike="noStrike">
+            <a:endParaRPr b="0" lang="en-IN" sz="2000" spc="-1" strike="noStrike">
               <a:latin typeface="Arial"/>
             </a:endParaRPr>
           </a:p>
@@ -13827,12 +13846,12 @@
               <a:buChar char=""/>
             </a:pPr>
             <a:r>
-              <a:rPr b="0" lang="en-IN" sz="1800" spc="-1" strike="noStrike">
+              <a:rPr b="0" lang="en-IN" sz="2000" spc="-1" strike="noStrike">
                 <a:latin typeface="Arial"/>
               </a:rPr>
               <a:t>Sixth Outline Level</a:t>
             </a:r>
-            <a:endParaRPr b="0" lang="en-IN" sz="1800" spc="-1" strike="noStrike">
+            <a:endParaRPr b="0" lang="en-IN" sz="2000" spc="-1" strike="noStrike">
               <a:latin typeface="Arial"/>
             </a:endParaRPr>
           </a:p>
@@ -13849,12 +13868,12 @@
               <a:buChar char=""/>
             </a:pPr>
             <a:r>
-              <a:rPr b="0" lang="en-IN" sz="1800" spc="-1" strike="noStrike">
+              <a:rPr b="0" lang="en-IN" sz="2000" spc="-1" strike="noStrike">
                 <a:latin typeface="Arial"/>
               </a:rPr>
               <a:t>Seventh Outline Level</a:t>
             </a:r>
-            <a:endParaRPr b="0" lang="en-IN" sz="1800" spc="-1" strike="noStrike">
+            <a:endParaRPr b="0" lang="en-IN" sz="2000" spc="-1" strike="noStrike">
               <a:latin typeface="Arial"/>
             </a:endParaRPr>
           </a:p>
@@ -14199,7 +14218,7 @@
         <p:spPr>
           <a:xfrm>
             <a:off x="781920" y="768240"/>
-            <a:ext cx="6651360" cy="3621960"/>
+            <a:ext cx="6651000" cy="3621600"/>
           </a:xfrm>
           <a:custGeom>
             <a:avLst/>
@@ -14276,8 +14295,8 @@
         </p:nvSpPr>
         <p:spPr>
           <a:xfrm>
-            <a:off x="779040" y="645120"/>
-            <a:ext cx="7592400" cy="624960"/>
+            <a:off x="457200" y="205200"/>
+            <a:ext cx="8229240" cy="858600"/>
           </a:xfrm>
           <a:prstGeom prst="rect">
             <a:avLst/>
@@ -14288,13 +14307,92 @@
             <a:noAutofit/>
           </a:bodyPr>
           <a:p>
+            <a:pPr algn="ctr"/>
             <a:r>
-              <a:rPr b="0" lang="en-IN" sz="1800" spc="-1" strike="noStrike">
+              <a:rPr b="0" lang="en-IN" sz="4400" spc="-1" strike="noStrike">
                 <a:latin typeface="Arial"/>
               </a:rPr>
-              <a:t>Click to edit the title text format</a:t>
+              <a:t>Cli</a:t>
             </a:r>
-            <a:endParaRPr b="0" lang="en-IN" sz="1800" spc="-1" strike="noStrike">
+            <a:r>
+              <a:rPr b="0" lang="en-IN" sz="4400" spc="-1" strike="noStrike">
+                <a:latin typeface="Arial"/>
+              </a:rPr>
+              <a:t>ck </a:t>
+            </a:r>
+            <a:r>
+              <a:rPr b="0" lang="en-IN" sz="4400" spc="-1" strike="noStrike">
+                <a:latin typeface="Arial"/>
+              </a:rPr>
+              <a:t>to </a:t>
+            </a:r>
+            <a:r>
+              <a:rPr b="0" lang="en-IN" sz="4400" spc="-1" strike="noStrike">
+                <a:latin typeface="Arial"/>
+              </a:rPr>
+              <a:t>ed</a:t>
+            </a:r>
+            <a:r>
+              <a:rPr b="0" lang="en-IN" sz="4400" spc="-1" strike="noStrike">
+                <a:latin typeface="Arial"/>
+              </a:rPr>
+              <a:t>it </a:t>
+            </a:r>
+            <a:r>
+              <a:rPr b="0" lang="en-IN" sz="4400" spc="-1" strike="noStrike">
+                <a:latin typeface="Arial"/>
+              </a:rPr>
+              <a:t>th</a:t>
+            </a:r>
+            <a:r>
+              <a:rPr b="0" lang="en-IN" sz="4400" spc="-1" strike="noStrike">
+                <a:latin typeface="Arial"/>
+              </a:rPr>
+              <a:t>e </a:t>
+            </a:r>
+            <a:r>
+              <a:rPr b="0" lang="en-IN" sz="4400" spc="-1" strike="noStrike">
+                <a:latin typeface="Arial"/>
+              </a:rPr>
+              <a:t>titl</a:t>
+            </a:r>
+            <a:r>
+              <a:rPr b="0" lang="en-IN" sz="4400" spc="-1" strike="noStrike">
+                <a:latin typeface="Arial"/>
+              </a:rPr>
+              <a:t>e </a:t>
+            </a:r>
+            <a:r>
+              <a:rPr b="0" lang="en-IN" sz="4400" spc="-1" strike="noStrike">
+                <a:latin typeface="Arial"/>
+              </a:rPr>
+              <a:t>te</a:t>
+            </a:r>
+            <a:r>
+              <a:rPr b="0" lang="en-IN" sz="4400" spc="-1" strike="noStrike">
+                <a:latin typeface="Arial"/>
+              </a:rPr>
+              <a:t>xt </a:t>
+            </a:r>
+            <a:r>
+              <a:rPr b="0" lang="en-IN" sz="4400" spc="-1" strike="noStrike">
+                <a:latin typeface="Arial"/>
+              </a:rPr>
+              <a:t>for</a:t>
+            </a:r>
+            <a:r>
+              <a:rPr b="0" lang="en-IN" sz="4400" spc="-1" strike="noStrike">
+                <a:latin typeface="Arial"/>
+              </a:rPr>
+              <a:t>m</a:t>
+            </a:r>
+            <a:r>
+              <a:rPr b="0" lang="en-IN" sz="4400" spc="-1" strike="noStrike">
+                <a:latin typeface="Arial"/>
+              </a:rPr>
+              <a:t>at</a:t>
+            </a:r>
+            <a:endParaRPr b="0" lang="en-IN" sz="4400" spc="-1" strike="noStrike">
               <a:latin typeface="Arial"/>
             </a:endParaRPr>
           </a:p>
@@ -14313,7 +14411,7 @@
         <p:spPr>
           <a:xfrm>
             <a:off x="457200" y="1203480"/>
-            <a:ext cx="8228880" cy="2982600"/>
+            <a:ext cx="8229240" cy="2982960"/>
           </a:xfrm>
           <a:prstGeom prst="rect">
             <a:avLst/>
@@ -14336,12 +14434,12 @@
               <a:buChar char=""/>
             </a:pPr>
             <a:r>
-              <a:rPr b="0" lang="en-IN" sz="1800" spc="-1" strike="noStrike">
+              <a:rPr b="0" lang="en-IN" sz="3200" spc="-1" strike="noStrike">
                 <a:latin typeface="Arial"/>
               </a:rPr>
               <a:t>Click to edit the outline text format</a:t>
             </a:r>
-            <a:endParaRPr b="0" lang="en-IN" sz="1800" spc="-1" strike="noStrike">
+            <a:endParaRPr b="0" lang="en-IN" sz="3200" spc="-1" strike="noStrike">
               <a:latin typeface="Arial"/>
             </a:endParaRPr>
           </a:p>
@@ -14358,12 +14456,12 @@
               <a:buChar char=""/>
             </a:pPr>
             <a:r>
-              <a:rPr b="0" lang="en-IN" sz="1800" spc="-1" strike="noStrike">
+              <a:rPr b="0" lang="en-IN" sz="2800" spc="-1" strike="noStrike">
                 <a:latin typeface="Arial"/>
               </a:rPr>
               <a:t>Second Outline Level</a:t>
             </a:r>
-            <a:endParaRPr b="0" lang="en-IN" sz="1800" spc="-1" strike="noStrike">
+            <a:endParaRPr b="0" lang="en-IN" sz="2800" spc="-1" strike="noStrike">
               <a:latin typeface="Arial"/>
             </a:endParaRPr>
           </a:p>
@@ -14380,12 +14478,12 @@
               <a:buChar char=""/>
             </a:pPr>
             <a:r>
-              <a:rPr b="0" lang="en-IN" sz="1800" spc="-1" strike="noStrike">
+              <a:rPr b="0" lang="en-IN" sz="2400" spc="-1" strike="noStrike">
                 <a:latin typeface="Arial"/>
               </a:rPr>
               <a:t>Third Outline Level</a:t>
             </a:r>
-            <a:endParaRPr b="0" lang="en-IN" sz="1800" spc="-1" strike="noStrike">
+            <a:endParaRPr b="0" lang="en-IN" sz="2400" spc="-1" strike="noStrike">
               <a:latin typeface="Arial"/>
             </a:endParaRPr>
           </a:p>
@@ -14402,12 +14500,12 @@
               <a:buChar char=""/>
             </a:pPr>
             <a:r>
-              <a:rPr b="0" lang="en-IN" sz="1800" spc="-1" strike="noStrike">
+              <a:rPr b="0" lang="en-IN" sz="2000" spc="-1" strike="noStrike">
                 <a:latin typeface="Arial"/>
               </a:rPr>
               <a:t>Fourth Outline Level</a:t>
             </a:r>
-            <a:endParaRPr b="0" lang="en-IN" sz="1800" spc="-1" strike="noStrike">
+            <a:endParaRPr b="0" lang="en-IN" sz="2000" spc="-1" strike="noStrike">
               <a:latin typeface="Arial"/>
             </a:endParaRPr>
           </a:p>
@@ -14424,12 +14522,12 @@
               <a:buChar char=""/>
             </a:pPr>
             <a:r>
-              <a:rPr b="0" lang="en-IN" sz="1800" spc="-1" strike="noStrike">
+              <a:rPr b="0" lang="en-IN" sz="2000" spc="-1" strike="noStrike">
                 <a:latin typeface="Arial"/>
               </a:rPr>
               <a:t>Fifth Outline Level</a:t>
             </a:r>
-            <a:endParaRPr b="0" lang="en-IN" sz="1800" spc="-1" strike="noStrike">
+            <a:endParaRPr b="0" lang="en-IN" sz="2000" spc="-1" strike="noStrike">
               <a:latin typeface="Arial"/>
             </a:endParaRPr>
           </a:p>
@@ -14446,12 +14544,12 @@
               <a:buChar char=""/>
             </a:pPr>
             <a:r>
-              <a:rPr b="0" lang="en-IN" sz="1800" spc="-1" strike="noStrike">
+              <a:rPr b="0" lang="en-IN" sz="2000" spc="-1" strike="noStrike">
                 <a:latin typeface="Arial"/>
               </a:rPr>
               <a:t>Sixth Outline Level</a:t>
             </a:r>
-            <a:endParaRPr b="0" lang="en-IN" sz="1800" spc="-1" strike="noStrike">
+            <a:endParaRPr b="0" lang="en-IN" sz="2000" spc="-1" strike="noStrike">
               <a:latin typeface="Arial"/>
             </a:endParaRPr>
           </a:p>
@@ -14468,12 +14566,12 @@
               <a:buChar char=""/>
             </a:pPr>
             <a:r>
-              <a:rPr b="0" lang="en-IN" sz="1800" spc="-1" strike="noStrike">
+              <a:rPr b="0" lang="en-IN" sz="2000" spc="-1" strike="noStrike">
                 <a:latin typeface="Arial"/>
               </a:rPr>
               <a:t>Seventh Outline Level</a:t>
             </a:r>
-            <a:endParaRPr b="0" lang="en-IN" sz="1800" spc="-1" strike="noStrike">
+            <a:endParaRPr b="0" lang="en-IN" sz="2000" spc="-1" strike="noStrike">
               <a:latin typeface="Arial"/>
             </a:endParaRPr>
           </a:p>
@@ -14565,7 +14663,85 @@
               <a:rPr b="0" lang="en-IN" sz="4400" spc="-1" strike="noStrike">
                 <a:latin typeface="Arial"/>
               </a:rPr>
-              <a:t>Click to edit the title text format</a:t>
+              <a:t>Cli</a:t>
+            </a:r>
+            <a:r>
+              <a:rPr b="0" lang="en-IN" sz="4400" spc="-1" strike="noStrike">
+                <a:latin typeface="Arial"/>
+              </a:rPr>
+              <a:t>ck </a:t>
+            </a:r>
+            <a:r>
+              <a:rPr b="0" lang="en-IN" sz="4400" spc="-1" strike="noStrike">
+                <a:latin typeface="Arial"/>
+              </a:rPr>
+              <a:t>to </a:t>
+            </a:r>
+            <a:r>
+              <a:rPr b="0" lang="en-IN" sz="4400" spc="-1" strike="noStrike">
+                <a:latin typeface="Arial"/>
+              </a:rPr>
+              <a:t>ed</a:t>
+            </a:r>
+            <a:r>
+              <a:rPr b="0" lang="en-IN" sz="4400" spc="-1" strike="noStrike">
+                <a:latin typeface="Arial"/>
+              </a:rPr>
+              <a:t>it </a:t>
+            </a:r>
+            <a:r>
+              <a:rPr b="0" lang="en-IN" sz="4400" spc="-1" strike="noStrike">
+                <a:latin typeface="Arial"/>
+              </a:rPr>
+              <a:t>th</a:t>
+            </a:r>
+            <a:r>
+              <a:rPr b="0" lang="en-IN" sz="4400" spc="-1" strike="noStrike">
+                <a:latin typeface="Arial"/>
+              </a:rPr>
+              <a:t>e </a:t>
+            </a:r>
+            <a:r>
+              <a:rPr b="0" lang="en-IN" sz="4400" spc="-1" strike="noStrike">
+                <a:latin typeface="Arial"/>
+              </a:rPr>
+              <a:t>titl</a:t>
+            </a:r>
+            <a:r>
+              <a:rPr b="0" lang="en-IN" sz="4400" spc="-1" strike="noStrike">
+                <a:latin typeface="Arial"/>
+              </a:rPr>
+              <a:t>e </a:t>
+            </a:r>
+            <a:r>
+              <a:rPr b="0" lang="en-IN" sz="4400" spc="-1" strike="noStrike">
+                <a:latin typeface="Arial"/>
+              </a:rPr>
+              <a:t>te</a:t>
+            </a:r>
+            <a:r>
+              <a:rPr b="0" lang="en-IN" sz="4400" spc="-1" strike="noStrike">
+                <a:latin typeface="Arial"/>
+              </a:rPr>
+              <a:t>xt </a:t>
+            </a:r>
+            <a:r>
+              <a:rPr b="0" lang="en-IN" sz="4400" spc="-1" strike="noStrike">
+                <a:latin typeface="Arial"/>
+              </a:rPr>
+              <a:t>for</a:t>
+            </a:r>
+            <a:r>
+              <a:rPr b="0" lang="en-IN" sz="4400" spc="-1" strike="noStrike">
+                <a:latin typeface="Arial"/>
+              </a:rPr>
+              <a:t>m</a:t>
+            </a:r>
+            <a:r>
+              <a:rPr b="0" lang="en-IN" sz="4400" spc="-1" strike="noStrike">
+                <a:latin typeface="Arial"/>
+              </a:rPr>
+              <a:t>at</a:t>
             </a:r>
             <a:endParaRPr b="0" lang="en-IN" sz="4400" spc="-1" strike="noStrike">
               <a:latin typeface="Arial"/>
@@ -14838,7 +15014,85 @@
               <a:rPr b="0" lang="en-IN" sz="4400" spc="-1" strike="noStrike">
                 <a:latin typeface="Arial"/>
               </a:rPr>
-              <a:t>Click to edit the title text format</a:t>
+              <a:t>Cli</a:t>
+            </a:r>
+            <a:r>
+              <a:rPr b="0" lang="en-IN" sz="4400" spc="-1" strike="noStrike">
+                <a:latin typeface="Arial"/>
+              </a:rPr>
+              <a:t>ck </a:t>
+            </a:r>
+            <a:r>
+              <a:rPr b="0" lang="en-IN" sz="4400" spc="-1" strike="noStrike">
+                <a:latin typeface="Arial"/>
+              </a:rPr>
+              <a:t>to </a:t>
+            </a:r>
+            <a:r>
+              <a:rPr b="0" lang="en-IN" sz="4400" spc="-1" strike="noStrike">
+                <a:latin typeface="Arial"/>
+              </a:rPr>
+              <a:t>ed</a:t>
+            </a:r>
+            <a:r>
+              <a:rPr b="0" lang="en-IN" sz="4400" spc="-1" strike="noStrike">
+                <a:latin typeface="Arial"/>
+              </a:rPr>
+              <a:t>it </a:t>
+            </a:r>
+            <a:r>
+              <a:rPr b="0" lang="en-IN" sz="4400" spc="-1" strike="noStrike">
+                <a:latin typeface="Arial"/>
+              </a:rPr>
+              <a:t>th</a:t>
+            </a:r>
+            <a:r>
+              <a:rPr b="0" lang="en-IN" sz="4400" spc="-1" strike="noStrike">
+                <a:latin typeface="Arial"/>
+              </a:rPr>
+              <a:t>e </a:t>
+            </a:r>
+            <a:r>
+              <a:rPr b="0" lang="en-IN" sz="4400" spc="-1" strike="noStrike">
+                <a:latin typeface="Arial"/>
+              </a:rPr>
+              <a:t>titl</a:t>
+            </a:r>
+            <a:r>
+              <a:rPr b="0" lang="en-IN" sz="4400" spc="-1" strike="noStrike">
+                <a:latin typeface="Arial"/>
+              </a:rPr>
+              <a:t>e </a:t>
+            </a:r>
+            <a:r>
+              <a:rPr b="0" lang="en-IN" sz="4400" spc="-1" strike="noStrike">
+                <a:latin typeface="Arial"/>
+              </a:rPr>
+              <a:t>te</a:t>
+            </a:r>
+            <a:r>
+              <a:rPr b="0" lang="en-IN" sz="4400" spc="-1" strike="noStrike">
+                <a:latin typeface="Arial"/>
+              </a:rPr>
+              <a:t>xt </a:t>
+            </a:r>
+            <a:r>
+              <a:rPr b="0" lang="en-IN" sz="4400" spc="-1" strike="noStrike">
+                <a:latin typeface="Arial"/>
+              </a:rPr>
+              <a:t>for</a:t>
+            </a:r>
+            <a:r>
+              <a:rPr b="0" lang="en-IN" sz="4400" spc="-1" strike="noStrike">
+                <a:latin typeface="Arial"/>
+              </a:rPr>
+              <a:t>m</a:t>
+            </a:r>
+            <a:r>
+              <a:rPr b="0" lang="en-IN" sz="4400" spc="-1" strike="noStrike">
+                <a:latin typeface="Arial"/>
+              </a:rPr>
+              <a:t>at</a:t>
             </a:r>
             <a:endParaRPr b="0" lang="en-IN" sz="4400" spc="-1" strike="noStrike">
               <a:latin typeface="Arial"/>
@@ -15111,7 +15365,85 @@
               <a:rPr b="0" lang="en-IN" sz="4400" spc="-1" strike="noStrike">
                 <a:latin typeface="Arial"/>
               </a:rPr>
-              <a:t>Click to edit the title text format</a:t>
+              <a:t>Cli</a:t>
+            </a:r>
+            <a:r>
+              <a:rPr b="0" lang="en-IN" sz="4400" spc="-1" strike="noStrike">
+                <a:latin typeface="Arial"/>
+              </a:rPr>
+              <a:t>ck </a:t>
+            </a:r>
+            <a:r>
+              <a:rPr b="0" lang="en-IN" sz="4400" spc="-1" strike="noStrike">
+                <a:latin typeface="Arial"/>
+              </a:rPr>
+              <a:t>to </a:t>
+            </a:r>
+            <a:r>
+              <a:rPr b="0" lang="en-IN" sz="4400" spc="-1" strike="noStrike">
+                <a:latin typeface="Arial"/>
+              </a:rPr>
+              <a:t>ed</a:t>
+            </a:r>
+            <a:r>
+              <a:rPr b="0" lang="en-IN" sz="4400" spc="-1" strike="noStrike">
+                <a:latin typeface="Arial"/>
+              </a:rPr>
+              <a:t>it </a:t>
+            </a:r>
+            <a:r>
+              <a:rPr b="0" lang="en-IN" sz="4400" spc="-1" strike="noStrike">
+                <a:latin typeface="Arial"/>
+              </a:rPr>
+              <a:t>th</a:t>
+            </a:r>
+            <a:r>
+              <a:rPr b="0" lang="en-IN" sz="4400" spc="-1" strike="noStrike">
+                <a:latin typeface="Arial"/>
+              </a:rPr>
+              <a:t>e </a:t>
+            </a:r>
+            <a:r>
+              <a:rPr b="0" lang="en-IN" sz="4400" spc="-1" strike="noStrike">
+                <a:latin typeface="Arial"/>
+              </a:rPr>
+              <a:t>titl</a:t>
+            </a:r>
+            <a:r>
+              <a:rPr b="0" lang="en-IN" sz="4400" spc="-1" strike="noStrike">
+                <a:latin typeface="Arial"/>
+              </a:rPr>
+              <a:t>e </a:t>
+            </a:r>
+            <a:r>
+              <a:rPr b="0" lang="en-IN" sz="4400" spc="-1" strike="noStrike">
+                <a:latin typeface="Arial"/>
+              </a:rPr>
+              <a:t>te</a:t>
+            </a:r>
+            <a:r>
+              <a:rPr b="0" lang="en-IN" sz="4400" spc="-1" strike="noStrike">
+                <a:latin typeface="Arial"/>
+              </a:rPr>
+              <a:t>xt </a:t>
+            </a:r>
+            <a:r>
+              <a:rPr b="0" lang="en-IN" sz="4400" spc="-1" strike="noStrike">
+                <a:latin typeface="Arial"/>
+              </a:rPr>
+              <a:t>for</a:t>
+            </a:r>
+            <a:r>
+              <a:rPr b="0" lang="en-IN" sz="4400" spc="-1" strike="noStrike">
+                <a:latin typeface="Arial"/>
+              </a:rPr>
+              <a:t>m</a:t>
+            </a:r>
+            <a:r>
+              <a:rPr b="0" lang="en-IN" sz="4400" spc="-1" strike="noStrike">
+                <a:latin typeface="Arial"/>
+              </a:rPr>
+              <a:t>at</a:t>
             </a:r>
             <a:endParaRPr b="0" lang="en-IN" sz="4400" spc="-1" strike="noStrike">
               <a:latin typeface="Arial"/>
@@ -15367,8 +15699,8 @@
         </p:nvSpPr>
         <p:spPr>
           <a:xfrm>
-            <a:off x="779040" y="645120"/>
-            <a:ext cx="7592400" cy="624960"/>
+            <a:off x="457200" y="205200"/>
+            <a:ext cx="8228880" cy="858240"/>
           </a:xfrm>
           <a:prstGeom prst="rect">
             <a:avLst/>
@@ -15818,8 +16150,8 @@
         </p:nvSpPr>
         <p:spPr>
           <a:xfrm>
-            <a:off x="779040" y="645120"/>
-            <a:ext cx="7592400" cy="624960"/>
+            <a:off x="457200" y="205200"/>
+            <a:ext cx="8229240" cy="858600"/>
           </a:xfrm>
           <a:prstGeom prst="rect">
             <a:avLst/>
@@ -15830,13 +16162,14 @@
             <a:noAutofit/>
           </a:bodyPr>
           <a:p>
+            <a:pPr algn="ctr"/>
             <a:r>
-              <a:rPr b="0" lang="en-IN" sz="1800" spc="-1" strike="noStrike">
+              <a:rPr b="0" lang="en-IN" sz="4400" spc="-1" strike="noStrike">
                 <a:latin typeface="Arial"/>
               </a:rPr>
               <a:t>Click to edit the title text format</a:t>
             </a:r>
-            <a:endParaRPr b="0" lang="en-IN" sz="1800" spc="-1" strike="noStrike">
+            <a:endParaRPr b="0" lang="en-IN" sz="4400" spc="-1" strike="noStrike">
               <a:latin typeface="Arial"/>
             </a:endParaRPr>
           </a:p>
@@ -15855,7 +16188,7 @@
         <p:spPr>
           <a:xfrm>
             <a:off x="457200" y="1203480"/>
-            <a:ext cx="8228880" cy="2982600"/>
+            <a:ext cx="8229240" cy="2982960"/>
           </a:xfrm>
           <a:prstGeom prst="rect">
             <a:avLst/>
@@ -15878,12 +16211,12 @@
               <a:buChar char=""/>
             </a:pPr>
             <a:r>
-              <a:rPr b="0" lang="en-IN" sz="1800" spc="-1" strike="noStrike">
+              <a:rPr b="0" lang="en-IN" sz="3200" spc="-1" strike="noStrike">
                 <a:latin typeface="Arial"/>
               </a:rPr>
               <a:t>Click to edit the outline text format</a:t>
             </a:r>
-            <a:endParaRPr b="0" lang="en-IN" sz="1800" spc="-1" strike="noStrike">
+            <a:endParaRPr b="0" lang="en-IN" sz="3200" spc="-1" strike="noStrike">
               <a:latin typeface="Arial"/>
             </a:endParaRPr>
           </a:p>
@@ -15900,12 +16233,12 @@
               <a:buChar char=""/>
             </a:pPr>
             <a:r>
-              <a:rPr b="0" lang="en-IN" sz="1800" spc="-1" strike="noStrike">
+              <a:rPr b="0" lang="en-IN" sz="2800" spc="-1" strike="noStrike">
                 <a:latin typeface="Arial"/>
               </a:rPr>
               <a:t>Second Outline Level</a:t>
             </a:r>
-            <a:endParaRPr b="0" lang="en-IN" sz="1800" spc="-1" strike="noStrike">
+            <a:endParaRPr b="0" lang="en-IN" sz="2800" spc="-1" strike="noStrike">
               <a:latin typeface="Arial"/>
             </a:endParaRPr>
           </a:p>
@@ -15922,12 +16255,12 @@
               <a:buChar char=""/>
             </a:pPr>
             <a:r>
-              <a:rPr b="0" lang="en-IN" sz="1800" spc="-1" strike="noStrike">
+              <a:rPr b="0" lang="en-IN" sz="2400" spc="-1" strike="noStrike">
                 <a:latin typeface="Arial"/>
               </a:rPr>
               <a:t>Third Outline Level</a:t>
             </a:r>
-            <a:endParaRPr b="0" lang="en-IN" sz="1800" spc="-1" strike="noStrike">
+            <a:endParaRPr b="0" lang="en-IN" sz="2400" spc="-1" strike="noStrike">
               <a:latin typeface="Arial"/>
             </a:endParaRPr>
           </a:p>
@@ -15944,12 +16277,12 @@
               <a:buChar char=""/>
             </a:pPr>
             <a:r>
-              <a:rPr b="0" lang="en-IN" sz="1800" spc="-1" strike="noStrike">
+              <a:rPr b="0" lang="en-IN" sz="2000" spc="-1" strike="noStrike">
                 <a:latin typeface="Arial"/>
               </a:rPr>
               <a:t>Fourth Outline Level</a:t>
             </a:r>
-            <a:endParaRPr b="0" lang="en-IN" sz="1800" spc="-1" strike="noStrike">
+            <a:endParaRPr b="0" lang="en-IN" sz="2000" spc="-1" strike="noStrike">
               <a:latin typeface="Arial"/>
             </a:endParaRPr>
           </a:p>
@@ -15966,12 +16299,12 @@
               <a:buChar char=""/>
             </a:pPr>
             <a:r>
-              <a:rPr b="0" lang="en-IN" sz="1800" spc="-1" strike="noStrike">
+              <a:rPr b="0" lang="en-IN" sz="2000" spc="-1" strike="noStrike">
                 <a:latin typeface="Arial"/>
               </a:rPr>
               <a:t>Fifth Outline Level</a:t>
             </a:r>
-            <a:endParaRPr b="0" lang="en-IN" sz="1800" spc="-1" strike="noStrike">
+            <a:endParaRPr b="0" lang="en-IN" sz="2000" spc="-1" strike="noStrike">
               <a:latin typeface="Arial"/>
             </a:endParaRPr>
           </a:p>
@@ -15988,12 +16321,12 @@
               <a:buChar char=""/>
             </a:pPr>
             <a:r>
-              <a:rPr b="0" lang="en-IN" sz="1800" spc="-1" strike="noStrike">
+              <a:rPr b="0" lang="en-IN" sz="2000" spc="-1" strike="noStrike">
                 <a:latin typeface="Arial"/>
               </a:rPr>
               <a:t>Sixth Outline Level</a:t>
             </a:r>
-            <a:endParaRPr b="0" lang="en-IN" sz="1800" spc="-1" strike="noStrike">
+            <a:endParaRPr b="0" lang="en-IN" sz="2000" spc="-1" strike="noStrike">
               <a:latin typeface="Arial"/>
             </a:endParaRPr>
           </a:p>
@@ -16010,12 +16343,12 @@
               <a:buChar char=""/>
             </a:pPr>
             <a:r>
-              <a:rPr b="0" lang="en-IN" sz="1800" spc="-1" strike="noStrike">
+              <a:rPr b="0" lang="en-IN" sz="2000" spc="-1" strike="noStrike">
                 <a:latin typeface="Arial"/>
               </a:rPr>
               <a:t>Seventh Outline Level</a:t>
             </a:r>
-            <a:endParaRPr b="0" lang="en-IN" sz="1800" spc="-1" strike="noStrike">
+            <a:endParaRPr b="0" lang="en-IN" sz="2000" spc="-1" strike="noStrike">
               <a:latin typeface="Arial"/>
             </a:endParaRPr>
           </a:p>
@@ -16090,8 +16423,8 @@
         </p:nvSpPr>
         <p:spPr>
           <a:xfrm>
-            <a:off x="779040" y="645120"/>
-            <a:ext cx="7592400" cy="624960"/>
+            <a:off x="457200" y="205200"/>
+            <a:ext cx="8228880" cy="858240"/>
           </a:xfrm>
           <a:prstGeom prst="rect">
             <a:avLst/>
@@ -16362,8 +16695,8 @@
         </p:nvSpPr>
         <p:spPr>
           <a:xfrm>
-            <a:off x="779040" y="645120"/>
-            <a:ext cx="7592400" cy="624960"/>
+            <a:off x="457200" y="205200"/>
+            <a:ext cx="8228880" cy="858240"/>
           </a:xfrm>
           <a:prstGeom prst="rect">
             <a:avLst/>
@@ -16611,7 +16944,7 @@
         <p:spPr>
           <a:xfrm>
             <a:off x="504000" y="633240"/>
-            <a:ext cx="5534640" cy="1238040"/>
+            <a:ext cx="5534280" cy="1237680"/>
           </a:xfrm>
           <a:prstGeom prst="rect">
             <a:avLst/>
@@ -16676,7 +17009,7 @@
         <p:spPr>
           <a:xfrm>
             <a:off x="6264000" y="1368000"/>
-            <a:ext cx="2801520" cy="3455280"/>
+            <a:ext cx="2801160" cy="3454920"/>
           </a:xfrm>
           <a:prstGeom prst="rect">
             <a:avLst/>
@@ -16698,8 +17031,8 @@
         </p:blipFill>
         <p:spPr>
           <a:xfrm rot="20235000">
-            <a:off x="5877720" y="720000"/>
-            <a:ext cx="766440" cy="766440"/>
+            <a:off x="5877360" y="719640"/>
+            <a:ext cx="766080" cy="766080"/>
           </a:xfrm>
           <a:prstGeom prst="rect">
             <a:avLst/>
@@ -16718,7 +17051,7 @@
         <p:spPr>
           <a:xfrm>
             <a:off x="-72000" y="1656000"/>
-            <a:ext cx="6839280" cy="3069360"/>
+            <a:ext cx="6838920" cy="3069000"/>
           </a:xfrm>
           <a:prstGeom prst="rect">
             <a:avLst/>
@@ -16933,7 +17266,7 @@
         <p:spPr>
           <a:xfrm>
             <a:off x="1224000" y="384480"/>
-            <a:ext cx="7590600" cy="1774800"/>
+            <a:ext cx="7590240" cy="1774440"/>
           </a:xfrm>
           <a:prstGeom prst="rect">
             <a:avLst/>
@@ -16956,7 +17289,7 @@
         <p:spPr>
           <a:xfrm>
             <a:off x="4392000" y="2088000"/>
-            <a:ext cx="2903760" cy="2984400"/>
+            <a:ext cx="2903400" cy="2984040"/>
           </a:xfrm>
           <a:prstGeom prst="rect">
             <a:avLst/>
@@ -16975,7 +17308,7 @@
         <p:spPr>
           <a:xfrm>
             <a:off x="2808360" y="504000"/>
-            <a:ext cx="4895280" cy="1113480"/>
+            <a:ext cx="4894920" cy="1113120"/>
           </a:xfrm>
           <a:prstGeom prst="rect">
             <a:avLst/>
@@ -17056,7 +17389,7 @@
         <p:spPr>
           <a:xfrm>
             <a:off x="457200" y="205200"/>
-            <a:ext cx="8228520" cy="857880"/>
+            <a:ext cx="8228160" cy="857520"/>
           </a:xfrm>
           <a:prstGeom prst="rect">
             <a:avLst/>
@@ -17117,7 +17450,7 @@
         <p:spPr>
           <a:xfrm>
             <a:off x="410760" y="1800000"/>
-            <a:ext cx="8228520" cy="2179800"/>
+            <a:ext cx="8228160" cy="2179440"/>
           </a:xfrm>
           <a:prstGeom prst="rect">
             <a:avLst/>
@@ -17208,7 +17541,7 @@
         <p:spPr>
           <a:xfrm>
             <a:off x="432000" y="504000"/>
-            <a:ext cx="8279280" cy="3887280"/>
+            <a:ext cx="8278920" cy="3886920"/>
           </a:xfrm>
           <a:prstGeom prst="rect">
             <a:avLst/>
@@ -17257,7 +17590,7 @@
         <p:spPr>
           <a:xfrm>
             <a:off x="758880" y="288000"/>
-            <a:ext cx="7592400" cy="395280"/>
+            <a:ext cx="7592040" cy="394920"/>
           </a:xfrm>
           <a:prstGeom prst="rect">
             <a:avLst/>
@@ -17318,9 +17651,9 @@
         <p:grpSpPr>
           <a:xfrm>
             <a:off x="72000" y="216000"/>
-            <a:ext cx="529560" cy="453960"/>
+            <a:ext cx="529200" cy="453600"/>
             <a:chOff x="72000" y="216000"/>
-            <a:chExt cx="529560" cy="453960"/>
+            <a:chExt cx="529200" cy="453600"/>
           </a:xfrm>
         </p:grpSpPr>
         <p:sp>
@@ -17332,7 +17665,7 @@
           <p:spPr>
             <a:xfrm>
               <a:off x="72000" y="602280"/>
-              <a:ext cx="256680" cy="67680"/>
+              <a:ext cx="256320" cy="67320"/>
             </a:xfrm>
             <a:custGeom>
               <a:avLst/>
@@ -17552,7 +17885,7 @@
           <p:spPr>
             <a:xfrm>
               <a:off x="344880" y="602280"/>
-              <a:ext cx="256680" cy="67680"/>
+              <a:ext cx="256320" cy="67320"/>
             </a:xfrm>
             <a:custGeom>
               <a:avLst/>
@@ -17772,7 +18105,7 @@
           <p:spPr>
             <a:xfrm>
               <a:off x="72000" y="216000"/>
-              <a:ext cx="256680" cy="423000"/>
+              <a:ext cx="256320" cy="422640"/>
             </a:xfrm>
             <a:custGeom>
               <a:avLst/>
@@ -17998,7 +18331,7 @@
           <p:spPr>
             <a:xfrm>
               <a:off x="344880" y="216000"/>
-              <a:ext cx="256680" cy="423000"/>
+              <a:ext cx="256320" cy="422640"/>
             </a:xfrm>
             <a:custGeom>
               <a:avLst/>
@@ -18225,7 +18558,7 @@
         <p:spPr>
           <a:xfrm>
             <a:off x="216000" y="936000"/>
-            <a:ext cx="8711280" cy="4167720"/>
+            <a:ext cx="8710920" cy="4167360"/>
           </a:xfrm>
           <a:prstGeom prst="rect">
             <a:avLst/>
@@ -18246,7 +18579,7 @@
             <a:noAutofit/>
           </a:bodyPr>
           <a:p>
-            <a:pPr marL="216000" indent="-215280" algn="just">
+            <a:pPr marL="216000" indent="-214920" algn="just">
               <a:lnSpc>
                 <a:spcPct val="100000"/>
               </a:lnSpc>
@@ -18281,7 +18614,7 @@
             </a:endParaRPr>
           </a:p>
           <a:p>
-            <a:pPr marL="216000" indent="-215280" algn="just">
+            <a:pPr marL="216000" indent="-214920" algn="just">
               <a:lnSpc>
                 <a:spcPct val="100000"/>
               </a:lnSpc>
@@ -18366,7 +18699,7 @@
         <p:spPr>
           <a:xfrm>
             <a:off x="720000" y="216000"/>
-            <a:ext cx="3095280" cy="345600"/>
+            <a:ext cx="3094920" cy="345240"/>
           </a:xfrm>
           <a:prstGeom prst="rect">
             <a:avLst/>
@@ -18457,7 +18790,7 @@
         <p:spPr>
           <a:xfrm>
             <a:off x="2808000" y="216000"/>
-            <a:ext cx="3153600" cy="540720"/>
+            <a:ext cx="3153240" cy="540360"/>
           </a:xfrm>
           <a:prstGeom prst="rect">
             <a:avLst/>
@@ -18508,7 +18841,7 @@
         <p:spPr>
           <a:xfrm>
             <a:off x="720000" y="772200"/>
-            <a:ext cx="8063280" cy="4051080"/>
+            <a:ext cx="8062920" cy="4050720"/>
           </a:xfrm>
           <a:prstGeom prst="rect">
             <a:avLst/>
@@ -18534,7 +18867,7 @@
         <p:spPr>
           <a:xfrm>
             <a:off x="720000" y="1080000"/>
-            <a:ext cx="8207640" cy="3780000"/>
+            <a:ext cx="8207280" cy="3779640"/>
           </a:xfrm>
           <a:prstGeom prst="rect">
             <a:avLst/>
@@ -18562,10 +18895,24 @@
             </a:pPr>
             <a:r>
               <a:rPr b="1" lang="en-IN" sz="2600" spc="-1" strike="noStrike" u="sng">
+                <a:solidFill>
+                  <a:srgbClr val="000000"/>
+                </a:solidFill>
                 <a:uFillTx/>
                 <a:latin typeface="Arial"/>
+                <a:ea typeface="DejaVu Sans"/>
               </a:rPr>
-              <a:t>Step 1:</a:t>
+              <a:t>Input</a:t>
+            </a:r>
+            <a:r>
+              <a:rPr b="0" lang="en-IN" sz="2600" spc="-1" strike="noStrike">
+                <a:solidFill>
+                  <a:srgbClr val="000000"/>
+                </a:solidFill>
+                <a:latin typeface="Arial"/>
+                <a:ea typeface="DejaVu Sans"/>
+              </a:rPr>
+              <a:t>:Target Video</a:t>
             </a:r>
             <a:endParaRPr b="0" lang="en-IN" sz="2600" spc="-1" strike="noStrike">
               <a:latin typeface="Arial"/>
@@ -18588,99 +18935,16 @@
               </a:lnSpc>
             </a:pPr>
             <a:r>
-              <a:rPr b="0" lang="en-IN" sz="2600" spc="-1" strike="noStrike">
+              <a:rPr b="1" lang="en-IN" sz="2600" spc="-1" strike="noStrike" u="sng">
+                <a:solidFill>
+                  <a:srgbClr val="000000"/>
+                </a:solidFill>
+                <a:uFillTx/>
                 <a:latin typeface="Arial"/>
+                <a:ea typeface="DejaVu Sans"/>
               </a:rPr>
-              <a:t>Crop the original target video into the target face </a:t>
+              <a:t>Step 1:</a:t>
             </a:r>
-            <a:r>
-              <a:rPr b="0" lang="en-IN" sz="2600" spc="-1" strike="noStrike">
-                <a:latin typeface="Arial"/>
-              </a:rPr>
-              <a:t>	</a:t>
-            </a:r>
-            <a:r>
-              <a:rPr b="0" lang="en-IN" sz="2600" spc="-1" strike="noStrike">
-                <a:latin typeface="Arial"/>
-              </a:rPr>
-              <a:t>	</a:t>
-            </a:r>
-            <a:r>
-              <a:rPr b="0" lang="en-IN" sz="2600" spc="-1" strike="noStrike">
-                <a:latin typeface="Arial"/>
-              </a:rPr>
-              <a:t>video, which is then resized to be low-resolution to </a:t>
-            </a:r>
-            <a:r>
-              <a:rPr b="0" lang="en-IN" sz="2600" spc="-1" strike="noStrike">
-                <a:latin typeface="Arial"/>
-              </a:rPr>
-              <a:t>	</a:t>
-            </a:r>
-            <a:r>
-              <a:rPr b="0" lang="en-IN" sz="2600" spc="-1" strike="noStrike">
-                <a:latin typeface="Arial"/>
-              </a:rPr>
-              <a:t>generate a low-definition talking face video with </a:t>
-            </a:r>
-            <a:r>
-              <a:rPr b="0" lang="en-IN" sz="2600" spc="-1" strike="noStrike">
-                <a:latin typeface="Arial"/>
-              </a:rPr>
-              <a:t>	</a:t>
-            </a:r>
-            <a:r>
-              <a:rPr b="0" lang="en-IN" sz="2600" spc="-1" strike="noStrike">
-                <a:latin typeface="Arial"/>
-              </a:rPr>
-              <a:t>	</a:t>
-            </a:r>
-            <a:r>
-              <a:rPr b="0" lang="en-IN" sz="2600" spc="-1" strike="noStrike">
-                <a:latin typeface="Arial"/>
-              </a:rPr>
-              <a:t>LRS2 audio using the pre-trained model </a:t>
-            </a:r>
-            <a:r>
-              <a:rPr b="0" lang="en-IN" sz="2600" spc="-1" strike="noStrike">
-                <a:latin typeface="Arial"/>
-              </a:rPr>
-              <a:t>	</a:t>
-            </a:r>
-            <a:r>
-              <a:rPr b="0" lang="en-IN" sz="2600" spc="-1" strike="noStrike">
-                <a:latin typeface="Arial"/>
-              </a:rPr>
-              <a:t>	</a:t>
-            </a:r>
-            <a:r>
-              <a:rPr b="0" lang="en-IN" sz="2600" spc="-1" strike="noStrike">
-                <a:latin typeface="Arial"/>
-              </a:rPr>
-              <a:t>	</a:t>
-            </a:r>
-            <a:r>
-              <a:rPr b="0" lang="en-IN" sz="2600" spc="-1" strike="noStrike">
-                <a:latin typeface="Arial"/>
-              </a:rPr>
-              <a:t>	</a:t>
-            </a:r>
-            <a:r>
-              <a:rPr b="0" lang="en-IN" sz="2600" spc="-1" strike="noStrike">
-                <a:latin typeface="Arial"/>
-              </a:rPr>
-              <a:t>Wav2Lip.</a:t>
-            </a:r>
-            <a:endParaRPr b="0" lang="en-IN" sz="2600" spc="-1" strike="noStrike">
-              <a:latin typeface="Arial"/>
-            </a:endParaRPr>
-          </a:p>
-          <a:p>
-            <a:pPr algn="just">
-              <a:lnSpc>
-                <a:spcPct val="100000"/>
-              </a:lnSpc>
-            </a:pPr>
             <a:endParaRPr b="0" lang="en-IN" sz="2600" spc="-1" strike="noStrike">
               <a:latin typeface="Arial"/>
             </a:endParaRPr>
@@ -18692,14 +18956,93 @@
               </a:lnSpc>
             </a:pPr>
             <a:r>
+              <a:rPr b="0" lang="en-IN" sz="2400" spc="-1" strike="noStrike">
+                <a:solidFill>
+                  <a:srgbClr val="000000"/>
+                </a:solidFill>
+                <a:latin typeface="Arial"/>
+                <a:ea typeface="DejaVu Sans"/>
+              </a:rPr>
+              <a:t>Crop the original target video into the target  face </a:t>
+            </a:r>
+            <a:r>
+              <a:rPr b="0" lang="en-IN" sz="2400" spc="-1" strike="noStrike">
+                <a:solidFill>
+                  <a:srgbClr val="000000"/>
+                </a:solidFill>
+                <a:latin typeface="Arial"/>
+                <a:ea typeface="DejaVu Sans"/>
+              </a:rPr>
+              <a:t>	</a:t>
+            </a:r>
+            <a:r>
+              <a:rPr b="0" lang="en-IN" sz="2400" spc="-1" strike="noStrike">
+                <a:solidFill>
+                  <a:srgbClr val="000000"/>
+                </a:solidFill>
+                <a:latin typeface="Arial"/>
+                <a:ea typeface="DejaVu Sans"/>
+              </a:rPr>
+              <a:t>	</a:t>
+            </a:r>
+            <a:r>
+              <a:rPr b="0" lang="en-IN" sz="2400" spc="-1" strike="noStrike">
+                <a:solidFill>
+                  <a:srgbClr val="000000"/>
+                </a:solidFill>
+                <a:latin typeface="Arial"/>
+                <a:ea typeface="DejaVu Sans"/>
+              </a:rPr>
+              <a:t>video, which is then resized to be low-resolution to generate a low-definition talking face video with LRS2 audio using the pre-trained model Wav2Lip.</a:t>
+            </a:r>
+            <a:endParaRPr b="0" lang="en-IN" sz="2400" spc="-1" strike="noStrike">
+              <a:latin typeface="Arial"/>
+            </a:endParaRPr>
+          </a:p>
+          <a:p>
+            <a:pPr algn="just">
+              <a:lnSpc>
+                <a:spcPct val="100000"/>
+              </a:lnSpc>
+            </a:pPr>
+            <a:endParaRPr b="0" lang="en-IN" sz="2400" spc="-1" strike="noStrike">
+              <a:latin typeface="Arial"/>
+            </a:endParaRPr>
+          </a:p>
+          <a:p>
+            <a:pPr>
+              <a:lnSpc>
+                <a:spcPct val="100000"/>
+              </a:lnSpc>
+            </a:pPr>
+            <a:r>
+              <a:rPr b="1" lang="en-IN" sz="2600" spc="-1" strike="noStrike" u="sng">
+                <a:solidFill>
+                  <a:srgbClr val="000000"/>
+                </a:solidFill>
+                <a:uFillTx/>
+                <a:latin typeface="Arial"/>
+                <a:ea typeface="DejaVu Sans"/>
+              </a:rPr>
+              <a:t>Output:</a:t>
+            </a:r>
+            <a:r>
               <a:rPr b="1" lang="en-IN" sz="2600" spc="-1" strike="noStrike">
+                <a:solidFill>
+                  <a:srgbClr val="000000"/>
+                </a:solidFill>
                 <a:latin typeface="Arial"/>
+                <a:ea typeface="DejaVu Sans"/>
               </a:rPr>
-              <a:t>Output: </a:t>
+              <a:t> </a:t>
             </a:r>
             <a:r>
               <a:rPr b="0" lang="en-IN" sz="2600" spc="-1" strike="noStrike">
+                <a:solidFill>
+                  <a:srgbClr val="000000"/>
+                </a:solidFill>
                 <a:latin typeface="Arial"/>
+                <a:ea typeface="DejaVu Sans"/>
               </a:rPr>
               <a:t>a pseudo video with excellent lip synchronization.</a:t>
             </a:r>
@@ -18747,8 +19090,8 @@
         </p:nvSpPr>
         <p:spPr>
           <a:xfrm>
-            <a:off x="457200" y="1203480"/>
-            <a:ext cx="8228880" cy="2982600"/>
+            <a:off x="457200" y="792000"/>
+            <a:ext cx="8228520" cy="2982240"/>
           </a:xfrm>
           <a:prstGeom prst="rect">
             <a:avLst/>
@@ -18766,10 +19109,10 @@
         </p:style>
         <p:txBody>
           <a:bodyPr lIns="0" rIns="0" tIns="0" bIns="0">
-            <a:normAutofit fontScale="59000"/>
-          </a:bodyPr>
-          <a:p>
-            <a:pPr marL="432000" indent="-323640">
+            <a:normAutofit fontScale="38000"/>
+          </a:bodyPr>
+          <a:p>
+            <a:pPr marL="432000" indent="-323280">
               <a:lnSpc>
                 <a:spcPct val="100000"/>
               </a:lnSpc>
@@ -18785,7 +19128,11 @@
             </a:pPr>
             <a:r>
               <a:rPr b="1" lang="en-IN" sz="3200" spc="-1" strike="noStrike">
+                <a:solidFill>
+                  <a:srgbClr val="000000"/>
+                </a:solidFill>
                 <a:latin typeface="Arial"/>
+                <a:ea typeface="DejaVu Sans"/>
               </a:rPr>
               <a:t>LRS2</a:t>
             </a:r>
@@ -18794,7 +19141,7 @@
             </a:endParaRPr>
           </a:p>
           <a:p>
-            <a:pPr marL="432000" indent="-323640">
+            <a:pPr marL="432000" indent="-323280">
               <a:lnSpc>
                 <a:spcPct val="100000"/>
               </a:lnSpc>
@@ -18810,7 +19157,11 @@
             </a:pPr>
             <a:r>
               <a:rPr b="0" lang="en-IN" sz="3200" spc="-1" strike="noStrike">
+                <a:solidFill>
+                  <a:srgbClr val="000000"/>
+                </a:solidFill>
                 <a:latin typeface="Arial"/>
+                <a:ea typeface="DejaVu Sans"/>
               </a:rPr>
               <a:t>Lip Reading Sentences 2 (LRS2) Dataset.The dataset consists of thousands of spoken sentences from BBC television.</a:t>
             </a:r>
@@ -18819,7 +19170,7 @@
             </a:endParaRPr>
           </a:p>
           <a:p>
-            <a:pPr marL="432000" indent="-323640">
+            <a:pPr marL="432000" indent="-323280">
               <a:lnSpc>
                 <a:spcPct val="100000"/>
               </a:lnSpc>
@@ -18835,7 +19186,11 @@
             </a:pPr>
             <a:r>
               <a:rPr b="1" lang="en-IN" sz="3200" spc="-1" strike="noStrike">
+                <a:solidFill>
+                  <a:srgbClr val="000000"/>
+                </a:solidFill>
                 <a:latin typeface="Arial"/>
+                <a:ea typeface="DejaVu Sans"/>
               </a:rPr>
               <a:t>Wav2Lip</a:t>
             </a:r>
@@ -18844,7 +19199,7 @@
             </a:endParaRPr>
           </a:p>
           <a:p>
-            <a:pPr marL="432000" indent="-323640">
+            <a:pPr marL="432000" indent="-323280">
               <a:lnSpc>
                 <a:spcPct val="100000"/>
               </a:lnSpc>
@@ -18860,9 +19215,13 @@
             </a:pPr>
             <a:r>
               <a:rPr b="0" lang="en-IN" sz="3200" spc="-1" strike="noStrike">
+                <a:solidFill>
+                  <a:srgbClr val="000000"/>
+                </a:solidFill>
                 <a:latin typeface="Arial"/>
+                <a:ea typeface="DejaVu Sans"/>
               </a:rPr>
-              <a:t>Wav2Lip is a neural network that adapts video with a speaking face for an audio recording of the speech</a:t>
+              <a:t>It is a neural network that adapts video with a speaking face for an audio recording of the speech. The proposed neural network bypasses state-of-the-art approaches on the task of synchronizing human lips on video recording with an audio track.</a:t>
             </a:r>
             <a:endParaRPr b="0" lang="en-IN" sz="3200" spc="-1" strike="noStrike">
               <a:latin typeface="Arial"/>
@@ -18909,7 +19268,7 @@
         <p:spPr>
           <a:xfrm>
             <a:off x="457200" y="144000"/>
-            <a:ext cx="8228880" cy="2735640"/>
+            <a:ext cx="8228520" cy="2735280"/>
           </a:xfrm>
           <a:prstGeom prst="rect">
             <a:avLst/>
@@ -18937,8 +19296,12 @@
             </a:pPr>
             <a:r>
               <a:rPr b="1" lang="en-IN" sz="2600" spc="-1" strike="noStrike" u="sng">
+                <a:solidFill>
+                  <a:srgbClr val="000000"/>
+                </a:solidFill>
                 <a:uFillTx/>
                 <a:latin typeface="Arial"/>
+                <a:ea typeface="DejaVu Sans"/>
               </a:rPr>
               <a:t>Step 2:</a:t>
             </a:r>
@@ -18957,7 +19320,11 @@
             </a:pPr>
             <a:r>
               <a:rPr b="0" lang="en-IN" sz="2600" spc="-1" strike="noStrike">
+                <a:solidFill>
+                  <a:srgbClr val="000000"/>
+                </a:solidFill>
                 <a:latin typeface="Arial"/>
+                <a:ea typeface="DejaVu Sans"/>
               </a:rPr>
               <a:t>Then, the 3DMM parameters are used to re-render the synthetic facial images in the target video. The facial 3D  morphable model (3DMM) parameters including expression, geometry, texture, pose, illumination coefficients are extracted from each frame of them.</a:t>
             </a:r>
@@ -18976,6 +19343,9 @@
             </a:pPr>
             <a:r>
               <a:rPr b="1" lang="en-IN" sz="2600" spc="-1" strike="noStrike">
+                <a:solidFill>
+                  <a:srgbClr val="000000"/>
+                </a:solidFill>
                 <a:latin typeface="Arial"/>
                 <a:ea typeface="Noto Sans CJK SC"/>
               </a:rPr>
@@ -18983,6 +19353,9 @@
             </a:r>
             <a:r>
               <a:rPr b="0" lang="en-IN" sz="2600" spc="-1" strike="noStrike">
+                <a:solidFill>
+                  <a:srgbClr val="000000"/>
+                </a:solidFill>
                 <a:latin typeface="Arial"/>
                 <a:ea typeface="Noto Sans CJK SC"/>
               </a:rPr>
@@ -19026,7 +19399,7 @@
         <p:spPr>
           <a:xfrm>
             <a:off x="360000" y="3230280"/>
-            <a:ext cx="8207640" cy="1449360"/>
+            <a:ext cx="8207280" cy="1449000"/>
           </a:xfrm>
           <a:prstGeom prst="rect">
             <a:avLst/>
@@ -19047,7 +19420,7 @@
             <a:noAutofit/>
           </a:bodyPr>
           <a:p>
-            <a:pPr marL="216000" indent="-215640">
+            <a:pPr marL="216000" indent="-215280">
               <a:lnSpc>
                 <a:spcPct val="100000"/>
               </a:lnSpc>
@@ -19060,7 +19433,11 @@
             </a:pPr>
             <a:r>
               <a:rPr b="1" lang="en-IN" sz="2400" spc="-1" strike="noStrike">
+                <a:solidFill>
+                  <a:srgbClr val="000000"/>
+                </a:solidFill>
                 <a:latin typeface="Arial"/>
+                <a:ea typeface="DejaVu Sans"/>
               </a:rPr>
               <a:t>3DMM</a:t>
             </a:r>
@@ -19079,7 +19456,7 @@
             </a:endParaRPr>
           </a:p>
           <a:p>
-            <a:pPr marL="216000" indent="-215640">
+            <a:pPr marL="216000" indent="-215280">
               <a:lnSpc>
                 <a:spcPct val="100000"/>
               </a:lnSpc>
@@ -19092,7 +19469,11 @@
             </a:pPr>
             <a:r>
               <a:rPr b="0" lang="en-IN" sz="2400" spc="-1" strike="noStrike">
+                <a:solidFill>
+                  <a:srgbClr val="000000"/>
+                </a:solidFill>
                 <a:latin typeface="Arial"/>
+                <a:ea typeface="DejaVu Sans"/>
               </a:rPr>
               <a:t>A 3D Morphable Face Model is a generative model for face shape</a:t>
             </a:r>
@@ -19141,7 +19522,7 @@
         <p:spPr>
           <a:xfrm>
             <a:off x="216000" y="288000"/>
-            <a:ext cx="8639640" cy="2468160"/>
+            <a:ext cx="8639280" cy="2467800"/>
           </a:xfrm>
           <a:prstGeom prst="rect">
             <a:avLst/>
@@ -19169,8 +19550,12 @@
             </a:pPr>
             <a:r>
               <a:rPr b="1" lang="en-IN" sz="2800" spc="-1" strike="noStrike" u="sng">
+                <a:solidFill>
+                  <a:srgbClr val="000000"/>
+                </a:solidFill>
                 <a:uFillTx/>
                 <a:latin typeface="Arial"/>
+                <a:ea typeface="DejaVu Sans"/>
               </a:rPr>
               <a:t>Step 3:</a:t>
             </a:r>
@@ -19196,7 +19581,11 @@
             </a:pPr>
             <a:r>
               <a:rPr b="0" lang="en-IN" sz="2800" spc="-1" strike="noStrike">
+                <a:solidFill>
+                  <a:srgbClr val="000000"/>
+                </a:solidFill>
                 <a:latin typeface="Arial"/>
+                <a:ea typeface="DejaVu Sans"/>
               </a:rPr>
               <a:t>Finally, we train a neural rendering network with the lower half of synthetic and real target faces to generate a high-definition photo-realistic talking face video.</a:t>
             </a:r>
@@ -19215,7 +19604,7 @@
         <p:spPr>
           <a:xfrm>
             <a:off x="360000" y="3246840"/>
-            <a:ext cx="8351640" cy="1792800"/>
+            <a:ext cx="8351280" cy="1792440"/>
           </a:xfrm>
           <a:prstGeom prst="rect">
             <a:avLst/>
@@ -19236,7 +19625,7 @@
             <a:noAutofit/>
           </a:bodyPr>
           <a:p>
-            <a:pPr marL="216000" indent="-215640">
+            <a:pPr marL="216000" indent="-215280">
               <a:lnSpc>
                 <a:spcPct val="100000"/>
               </a:lnSpc>
@@ -19249,13 +19638,21 @@
             </a:pPr>
             <a:r>
               <a:rPr b="1" lang="en-IN" sz="2400" spc="-1" strike="noStrike">
+                <a:solidFill>
+                  <a:srgbClr val="000000"/>
+                </a:solidFill>
                 <a:latin typeface="Arial"/>
+                <a:ea typeface="DejaVu Sans"/>
               </a:rPr>
               <a:t>Neural rendering</a:t>
             </a:r>
             <a:r>
               <a:rPr b="0" lang="en-IN" sz="1800" spc="-1" strike="noStrike">
+                <a:solidFill>
+                  <a:srgbClr val="000000"/>
+                </a:solidFill>
                 <a:latin typeface="Arial"/>
+                <a:ea typeface="DejaVu Sans"/>
               </a:rPr>
               <a:t> </a:t>
             </a:r>
@@ -19274,7 +19671,7 @@
             </a:endParaRPr>
           </a:p>
           <a:p>
-            <a:pPr marL="216000" indent="-215640">
+            <a:pPr marL="216000" indent="-215280">
               <a:lnSpc>
                 <a:spcPct val="100000"/>
               </a:lnSpc>
@@ -19287,7 +19684,11 @@
             </a:pPr>
             <a:r>
               <a:rPr b="0" lang="en-IN" sz="2600" spc="-1" strike="noStrike">
+                <a:solidFill>
+                  <a:srgbClr val="000000"/>
+                </a:solidFill>
                 <a:latin typeface="Arial"/>
+                <a:ea typeface="DejaVu Sans"/>
               </a:rPr>
               <a:t>It is a method, based on deep neural networks , which can create novel images and video footage based on existing scenes</a:t>
             </a:r>
@@ -19336,9 +19737,9 @@
         <p:grpSpPr>
           <a:xfrm>
             <a:off x="5209920" y="1136520"/>
-            <a:ext cx="3609360" cy="1288800"/>
+            <a:ext cx="3609000" cy="1288440"/>
             <a:chOff x="5209920" y="1136520"/>
-            <a:chExt cx="3609360" cy="1288800"/>
+            <a:chExt cx="3609000" cy="1288440"/>
           </a:xfrm>
         </p:grpSpPr>
         <p:sp>
@@ -19350,7 +19751,7 @@
           <p:spPr>
             <a:xfrm>
               <a:off x="6696360" y="1136520"/>
-              <a:ext cx="2122920" cy="1288800"/>
+              <a:ext cx="2122560" cy="1288440"/>
             </a:xfrm>
             <a:prstGeom prst="rect">
               <a:avLst/>
@@ -19404,7 +19805,7 @@
           <p:spPr>
             <a:xfrm>
               <a:off x="5209920" y="1781280"/>
-              <a:ext cx="1285560" cy="360"/>
+              <a:ext cx="1285200" cy="360"/>
             </a:xfrm>
             <a:custGeom>
               <a:avLst/>
@@ -19447,8 +19848,8 @@
         </p:nvSpPr>
         <p:spPr>
           <a:xfrm rot="3600000">
-            <a:off x="3211560" y="1240920"/>
-            <a:ext cx="2773440" cy="2868480"/>
+            <a:off x="3211560" y="1240560"/>
+            <a:ext cx="2773080" cy="2868120"/>
           </a:xfrm>
           <a:prstGeom prst="blockArc">
             <a:avLst>
@@ -19484,8 +19885,8 @@
         </p:blipFill>
         <p:spPr>
           <a:xfrm flipH="1">
-            <a:off x="3384360" y="1954080"/>
-            <a:ext cx="2404800" cy="3189240"/>
+            <a:off x="3384720" y="1954080"/>
+            <a:ext cx="2404440" cy="3188880"/>
           </a:xfrm>
           <a:prstGeom prst="rect">
             <a:avLst/>
@@ -19504,7 +19905,7 @@
         <p:spPr>
           <a:xfrm>
             <a:off x="471240" y="360000"/>
-            <a:ext cx="7592400" cy="395280"/>
+            <a:ext cx="7592040" cy="394920"/>
           </a:xfrm>
           <a:prstGeom prst="rect">
             <a:avLst/>
@@ -19565,7 +19966,7 @@
         <p:spPr>
           <a:xfrm>
             <a:off x="8404200" y="4642920"/>
-            <a:ext cx="547560" cy="315720"/>
+            <a:ext cx="547200" cy="315360"/>
           </a:xfrm>
           <a:prstGeom prst="rect">
             <a:avLst/>
@@ -19601,7 +20002,7 @@
                 <a:tab algn="l" pos="0"/>
               </a:tabLst>
             </a:pPr>
-            <a:fld id="{E69C5AD3-13D1-4024-9246-654E00482197}" type="slidenum">
+            <a:fld id="{633D7F49-9BD2-435C-ACC6-CE3679B663CF}" type="slidenum">
               <a:rPr b="0" lang="en" sz="1800" spc="-1" strike="noStrike">
                 <a:solidFill>
                   <a:srgbClr val="ffffff"/>
@@ -19626,9 +20027,9 @@
         <p:grpSpPr>
           <a:xfrm>
             <a:off x="2880" y="1656000"/>
-            <a:ext cx="3579120" cy="1562400"/>
+            <a:ext cx="3579120" cy="1562040"/>
             <a:chOff x="2880" y="1656000"/>
-            <a:chExt cx="3579120" cy="1562400"/>
+            <a:chExt cx="3579120" cy="1562040"/>
           </a:xfrm>
         </p:grpSpPr>
         <p:sp>
@@ -19640,7 +20041,7 @@
           <p:spPr>
             <a:xfrm>
               <a:off x="2880" y="1656000"/>
-              <a:ext cx="2574000" cy="1562400"/>
+              <a:ext cx="2573640" cy="1562040"/>
             </a:xfrm>
             <a:prstGeom prst="rect">
               <a:avLst/>
@@ -19693,8 +20094,8 @@
           </p:nvSpPr>
           <p:spPr>
             <a:xfrm rot="10800000">
-              <a:off x="2815200" y="2455920"/>
-              <a:ext cx="766800" cy="360"/>
+              <a:off x="2815560" y="2455560"/>
+              <a:ext cx="766440" cy="360"/>
             </a:xfrm>
             <a:custGeom>
               <a:avLst/>
@@ -19738,9 +20139,9 @@
         <p:grpSpPr>
           <a:xfrm>
             <a:off x="5209920" y="3456000"/>
-            <a:ext cx="3357720" cy="929520"/>
+            <a:ext cx="3357360" cy="929160"/>
             <a:chOff x="5209920" y="3456000"/>
-            <a:chExt cx="3357720" cy="929520"/>
+            <a:chExt cx="3357360" cy="929160"/>
           </a:xfrm>
         </p:grpSpPr>
         <p:sp>
@@ -19752,7 +20153,7 @@
           <p:spPr>
             <a:xfrm>
               <a:off x="6592680" y="3456000"/>
-              <a:ext cx="1974960" cy="929520"/>
+              <a:ext cx="1974600" cy="929160"/>
             </a:xfrm>
             <a:prstGeom prst="rect">
               <a:avLst/>
@@ -19806,7 +20207,7 @@
           <p:spPr>
             <a:xfrm>
               <a:off x="5209920" y="3908880"/>
-              <a:ext cx="1195920" cy="360"/>
+              <a:ext cx="1195560" cy="360"/>
             </a:xfrm>
             <a:custGeom>
               <a:avLst/>
@@ -19849,8 +20250,8 @@
         </p:nvSpPr>
         <p:spPr>
           <a:xfrm rot="10800000">
-            <a:off x="3184560" y="1291320"/>
-            <a:ext cx="2773800" cy="2773800"/>
+            <a:off x="3184920" y="1291320"/>
+            <a:ext cx="2773440" cy="2773440"/>
           </a:xfrm>
           <a:prstGeom prst="blockArc">
             <a:avLst>
@@ -19881,8 +20282,8 @@
         </p:nvSpPr>
         <p:spPr>
           <a:xfrm rot="18000000">
-            <a:off x="3143160" y="1225440"/>
-            <a:ext cx="2773440" cy="2889720"/>
+            <a:off x="3142800" y="1225800"/>
+            <a:ext cx="2773080" cy="2889360"/>
           </a:xfrm>
           <a:prstGeom prst="blockArc">
             <a:avLst>
@@ -19913,10 +20314,10 @@
         </p:nvGrpSpPr>
         <p:grpSpPr>
           <a:xfrm>
-            <a:off x="3170880" y="2810520"/>
-            <a:ext cx="789120" cy="789120"/>
-            <a:chOff x="3170880" y="2810520"/>
-            <a:chExt cx="789120" cy="789120"/>
+            <a:off x="3171240" y="2810520"/>
+            <a:ext cx="788400" cy="788760"/>
+            <a:chOff x="3171240" y="2810520"/>
+            <a:chExt cx="788400" cy="788760"/>
           </a:xfrm>
         </p:grpSpPr>
         <p:sp>
@@ -19927,8 +20328,8 @@
           </p:nvSpPr>
           <p:spPr>
             <a:xfrm rot="14439000">
-              <a:off x="3276000" y="2917080"/>
-              <a:ext cx="577440" cy="577800"/>
+              <a:off x="3276000" y="2917440"/>
+              <a:ext cx="577080" cy="577440"/>
             </a:xfrm>
             <a:prstGeom prst="pie">
               <a:avLst>
@@ -19966,7 +20367,7 @@
           <p:spPr>
             <a:xfrm rot="3600000">
               <a:off x="3276720" y="2916000"/>
-              <a:ext cx="577440" cy="577800"/>
+              <a:ext cx="577080" cy="577440"/>
             </a:xfrm>
             <a:prstGeom prst="pie">
               <a:avLst>
@@ -19997,10 +20398,10 @@
         </p:nvGrpSpPr>
         <p:grpSpPr>
           <a:xfrm>
-            <a:off x="4209480" y="1254240"/>
-            <a:ext cx="583920" cy="584280"/>
-            <a:chOff x="4209480" y="1254240"/>
-            <a:chExt cx="583920" cy="584280"/>
+            <a:off x="4209120" y="1254240"/>
+            <a:ext cx="583560" cy="583920"/>
+            <a:chOff x="4209120" y="1254240"/>
+            <a:chExt cx="583560" cy="583920"/>
           </a:xfrm>
         </p:grpSpPr>
         <p:sp>
@@ -20011,8 +20412,8 @@
           </p:nvSpPr>
           <p:spPr>
             <a:xfrm rot="39000">
-              <a:off x="4212360" y="1257480"/>
-              <a:ext cx="577440" cy="577800"/>
+              <a:off x="4212000" y="1257480"/>
+              <a:ext cx="577080" cy="577440"/>
             </a:xfrm>
             <a:prstGeom prst="pie">
               <a:avLst>
@@ -20049,8 +20450,8 @@
           </p:nvSpPr>
           <p:spPr>
             <a:xfrm rot="10800000">
-              <a:off x="4214160" y="1257840"/>
-              <a:ext cx="577440" cy="577800"/>
+              <a:off x="4214520" y="1257840"/>
+              <a:ext cx="577080" cy="577440"/>
             </a:xfrm>
             <a:prstGeom prst="pie">
               <a:avLst>
@@ -20081,10 +20482,10 @@
         </p:nvGrpSpPr>
         <p:grpSpPr>
           <a:xfrm>
-            <a:off x="5127120" y="2829600"/>
-            <a:ext cx="791640" cy="791280"/>
-            <a:chOff x="5127120" y="2829600"/>
-            <a:chExt cx="791640" cy="791280"/>
+            <a:off x="5126760" y="2829600"/>
+            <a:ext cx="791640" cy="790920"/>
+            <a:chOff x="5126760" y="2829600"/>
+            <a:chExt cx="791640" cy="790920"/>
           </a:xfrm>
         </p:grpSpPr>
         <p:sp>
@@ -20096,7 +20497,7 @@
           <p:spPr>
             <a:xfrm rot="7239000">
               <a:off x="5234040" y="2936160"/>
-              <a:ext cx="577440" cy="577800"/>
+              <a:ext cx="577080" cy="577440"/>
             </a:xfrm>
             <a:prstGeom prst="pie">
               <a:avLst>
@@ -20133,8 +20534,8 @@
           </p:nvSpPr>
           <p:spPr>
             <a:xfrm rot="18000000">
-              <a:off x="5232600" y="2936160"/>
-              <a:ext cx="577440" cy="577800"/>
+              <a:off x="5232240" y="2936160"/>
+              <a:ext cx="577080" cy="577440"/>
             </a:xfrm>
             <a:prstGeom prst="pie">
               <a:avLst>
@@ -20166,7 +20567,7 @@
         <p:spPr>
           <a:xfrm>
             <a:off x="4334400" y="1383480"/>
-            <a:ext cx="507960" cy="266040"/>
+            <a:ext cx="507600" cy="265680"/>
           </a:xfrm>
           <a:prstGeom prst="rect">
             <a:avLst/>
@@ -20220,7 +20621,7 @@
         <p:spPr>
           <a:xfrm>
             <a:off x="3375720" y="3015720"/>
-            <a:ext cx="507960" cy="266040"/>
+            <a:ext cx="507600" cy="265680"/>
           </a:xfrm>
           <a:prstGeom prst="rect">
             <a:avLst/>
@@ -20274,7 +20675,7 @@
         <p:spPr>
           <a:xfrm>
             <a:off x="5281920" y="2986200"/>
-            <a:ext cx="507960" cy="266040"/>
+            <a:ext cx="507600" cy="265680"/>
           </a:xfrm>
           <a:prstGeom prst="rect">
             <a:avLst/>
@@ -20328,7 +20729,7 @@
         <p:spPr>
           <a:xfrm>
             <a:off x="4104000" y="3528000"/>
-            <a:ext cx="863640" cy="431640"/>
+            <a:ext cx="863280" cy="431280"/>
           </a:xfrm>
           <a:prstGeom prst="rect">
             <a:avLst/>
@@ -20356,7 +20757,11 @@
             </a:pPr>
             <a:r>
               <a:rPr b="0" lang="en-IN" sz="1800" spc="-1" strike="noStrike">
+                <a:solidFill>
+                  <a:srgbClr val="000000"/>
+                </a:solidFill>
                 <a:latin typeface="Arial"/>
+                <a:ea typeface="DejaVu Sans"/>
               </a:rPr>
               <a:t>3DMM</a:t>
             </a:r>
@@ -20375,7 +20780,7 @@
         <p:spPr>
           <a:xfrm>
             <a:off x="3240000" y="1741680"/>
-            <a:ext cx="863640" cy="345960"/>
+            <a:ext cx="863280" cy="345600"/>
           </a:xfrm>
           <a:prstGeom prst="rect">
             <a:avLst/>
@@ -20403,7 +20808,11 @@
             </a:pPr>
             <a:r>
               <a:rPr b="0" lang="en-IN" sz="1800" spc="-1" strike="noStrike">
+                <a:solidFill>
+                  <a:srgbClr val="000000"/>
+                </a:solidFill>
                 <a:latin typeface="Arial"/>
+                <a:ea typeface="DejaVu Sans"/>
               </a:rPr>
               <a:t>LRS2</a:t>
             </a:r>
@@ -20422,7 +20831,7 @@
         <p:spPr>
           <a:xfrm>
             <a:off x="3024000" y="2304000"/>
-            <a:ext cx="935640" cy="601920"/>
+            <a:ext cx="935280" cy="601560"/>
           </a:xfrm>
           <a:prstGeom prst="rect">
             <a:avLst/>
@@ -20450,7 +20859,11 @@
             </a:pPr>
             <a:r>
               <a:rPr b="0" lang="en-IN" sz="1800" spc="-1" strike="noStrike">
+                <a:solidFill>
+                  <a:srgbClr val="000000"/>
+                </a:solidFill>
                 <a:latin typeface="Arial"/>
+                <a:ea typeface="DejaVu Sans"/>
               </a:rPr>
               <a:t>Wav2</a:t>
             </a:r>
@@ -20466,7 +20879,11 @@
             </a:pPr>
             <a:r>
               <a:rPr b="0" lang="en-IN" sz="1800" spc="-1" strike="noStrike">
+                <a:solidFill>
+                  <a:srgbClr val="000000"/>
+                </a:solidFill>
                 <a:latin typeface="Arial"/>
+                <a:ea typeface="DejaVu Sans"/>
               </a:rPr>
               <a:t>Lip</a:t>
             </a:r>
@@ -20485,7 +20902,7 @@
         <p:spPr>
           <a:xfrm>
             <a:off x="3295800" y="2010240"/>
-            <a:ext cx="359640" cy="345960"/>
+            <a:ext cx="359280" cy="345600"/>
           </a:xfrm>
           <a:prstGeom prst="rect">
             <a:avLst/>
@@ -20513,7 +20930,11 @@
             </a:pPr>
             <a:r>
               <a:rPr b="0" lang="en-IN" sz="1800" spc="-1" strike="noStrike">
+                <a:solidFill>
+                  <a:srgbClr val="000000"/>
+                </a:solidFill>
                 <a:latin typeface="Arial"/>
+                <a:ea typeface="DejaVu Sans"/>
               </a:rPr>
               <a:t>&amp;</a:t>
             </a:r>
@@ -20532,7 +20953,7 @@
         <p:spPr>
           <a:xfrm>
             <a:off x="4689360" y="1436040"/>
-            <a:ext cx="1295640" cy="601920"/>
+            <a:ext cx="1295280" cy="601560"/>
           </a:xfrm>
           <a:prstGeom prst="rect">
             <a:avLst/>
@@ -20560,7 +20981,11 @@
             </a:pPr>
             <a:r>
               <a:rPr b="0" lang="en-IN" sz="1500" spc="-1" strike="noStrike">
+                <a:solidFill>
+                  <a:srgbClr val="000000"/>
+                </a:solidFill>
                 <a:latin typeface="Arial"/>
+                <a:ea typeface="DejaVu Sans"/>
               </a:rPr>
               <a:t>Neural Rendering</a:t>
             </a:r>
@@ -20609,7 +21034,7 @@
         <p:spPr>
           <a:xfrm>
             <a:off x="1728000" y="238680"/>
-            <a:ext cx="5000400" cy="624960"/>
+            <a:ext cx="5000040" cy="624600"/>
           </a:xfrm>
           <a:prstGeom prst="rect">
             <a:avLst/>
@@ -20637,8 +21062,12 @@
             </a:pPr>
             <a:r>
               <a:rPr b="1" lang="en-IN" sz="4400" spc="-1" strike="noStrike" u="sng">
+                <a:solidFill>
+                  <a:srgbClr val="000000"/>
+                </a:solidFill>
                 <a:uFillTx/>
                 <a:latin typeface="Arial"/>
+                <a:ea typeface="DejaVu Sans"/>
               </a:rPr>
               <a:t>Contents</a:t>
             </a:r>
@@ -20657,7 +21086,7 @@
         <p:spPr>
           <a:xfrm>
             <a:off x="457200" y="1203480"/>
-            <a:ext cx="8228880" cy="2982600"/>
+            <a:ext cx="8228520" cy="2982240"/>
           </a:xfrm>
           <a:prstGeom prst="rect">
             <a:avLst/>
@@ -20678,7 +21107,7 @@
             <a:normAutofit fontScale="56000"/>
           </a:bodyPr>
           <a:p>
-            <a:pPr marL="432000" indent="-323640">
+            <a:pPr marL="432000" indent="-323280">
               <a:lnSpc>
                 <a:spcPct val="100000"/>
               </a:lnSpc>
@@ -20694,7 +21123,11 @@
             </a:pPr>
             <a:r>
               <a:rPr b="0" lang="en-IN" sz="3200" spc="-1" strike="noStrike">
+                <a:solidFill>
+                  <a:srgbClr val="000000"/>
+                </a:solidFill>
                 <a:latin typeface="Arial"/>
+                <a:ea typeface="DejaVu Sans"/>
               </a:rPr>
               <a:t>Introduction</a:t>
             </a:r>
@@ -20703,7 +21136,7 @@
             </a:endParaRPr>
           </a:p>
           <a:p>
-            <a:pPr marL="432000" indent="-323640">
+            <a:pPr marL="432000" indent="-323280">
               <a:lnSpc>
                 <a:spcPct val="100000"/>
               </a:lnSpc>
@@ -20719,7 +21152,11 @@
             </a:pPr>
             <a:r>
               <a:rPr b="0" lang="en-IN" sz="3200" spc="-1" strike="noStrike">
+                <a:solidFill>
+                  <a:srgbClr val="000000"/>
+                </a:solidFill>
                 <a:latin typeface="Arial"/>
+                <a:ea typeface="DejaVu Sans"/>
               </a:rPr>
               <a:t>Scope</a:t>
             </a:r>
@@ -20728,7 +21165,7 @@
             </a:endParaRPr>
           </a:p>
           <a:p>
-            <a:pPr marL="432000" indent="-323640">
+            <a:pPr marL="432000" indent="-323280">
               <a:lnSpc>
                 <a:spcPct val="100000"/>
               </a:lnSpc>
@@ -20744,7 +21181,11 @@
             </a:pPr>
             <a:r>
               <a:rPr b="0" lang="en-IN" sz="3200" spc="-1" strike="noStrike">
+                <a:solidFill>
+                  <a:srgbClr val="000000"/>
+                </a:solidFill>
                 <a:latin typeface="Arial"/>
+                <a:ea typeface="DejaVu Sans"/>
               </a:rPr>
               <a:t>Literature Survey</a:t>
             </a:r>
@@ -20753,7 +21194,7 @@
             </a:endParaRPr>
           </a:p>
           <a:p>
-            <a:pPr marL="432000" indent="-323640">
+            <a:pPr marL="432000" indent="-323280">
               <a:lnSpc>
                 <a:spcPct val="100000"/>
               </a:lnSpc>
@@ -20769,7 +21210,11 @@
             </a:pPr>
             <a:r>
               <a:rPr b="0" lang="en-IN" sz="3200" spc="-1" strike="noStrike">
+                <a:solidFill>
+                  <a:srgbClr val="000000"/>
+                </a:solidFill>
                 <a:latin typeface="Arial"/>
+                <a:ea typeface="DejaVu Sans"/>
               </a:rPr>
               <a:t>Training Phase</a:t>
             </a:r>
@@ -20778,7 +21223,7 @@
             </a:endParaRPr>
           </a:p>
           <a:p>
-            <a:pPr marL="432000" indent="-323640">
+            <a:pPr marL="432000" indent="-323280">
               <a:lnSpc>
                 <a:spcPct val="100000"/>
               </a:lnSpc>
@@ -20794,7 +21239,11 @@
             </a:pPr>
             <a:r>
               <a:rPr b="0" lang="en-IN" sz="3200" spc="-1" strike="noStrike">
+                <a:solidFill>
+                  <a:srgbClr val="000000"/>
+                </a:solidFill>
                 <a:latin typeface="Arial"/>
+                <a:ea typeface="DejaVu Sans"/>
               </a:rPr>
               <a:t>Testing Phase</a:t>
             </a:r>
@@ -20803,7 +21252,7 @@
             </a:endParaRPr>
           </a:p>
           <a:p>
-            <a:pPr marL="432000" indent="-323640">
+            <a:pPr marL="432000" indent="-323280">
               <a:lnSpc>
                 <a:spcPct val="100000"/>
               </a:lnSpc>
@@ -20819,7 +21268,11 @@
             </a:pPr>
             <a:r>
               <a:rPr b="0" lang="en-IN" sz="3200" spc="-1" strike="noStrike">
+                <a:solidFill>
+                  <a:srgbClr val="000000"/>
+                </a:solidFill>
                 <a:latin typeface="Arial"/>
+                <a:ea typeface="DejaVu Sans"/>
               </a:rPr>
               <a:t>Analysis</a:t>
             </a:r>
@@ -20828,7 +21281,7 @@
             </a:endParaRPr>
           </a:p>
           <a:p>
-            <a:pPr marL="432000" indent="-323640">
+            <a:pPr marL="432000" indent="-323280">
               <a:lnSpc>
                 <a:spcPct val="100000"/>
               </a:lnSpc>
@@ -20844,7 +21297,11 @@
             </a:pPr>
             <a:r>
               <a:rPr b="0" lang="en-IN" sz="3200" spc="-1" strike="noStrike">
+                <a:solidFill>
+                  <a:srgbClr val="000000"/>
+                </a:solidFill>
                 <a:latin typeface="Arial"/>
+                <a:ea typeface="DejaVu Sans"/>
               </a:rPr>
               <a:t>References</a:t>
             </a:r>
@@ -20893,7 +21350,7 @@
         <p:spPr>
           <a:xfrm>
             <a:off x="779040" y="701640"/>
-            <a:ext cx="7592400" cy="511920"/>
+            <a:ext cx="7592040" cy="511560"/>
           </a:xfrm>
           <a:prstGeom prst="rect">
             <a:avLst/>
@@ -20921,7 +21378,11 @@
             </a:pPr>
             <a:r>
               <a:rPr b="1" lang="en-IN" sz="3600" spc="-1" strike="noStrike">
+                <a:solidFill>
+                  <a:srgbClr val="000000"/>
+                </a:solidFill>
                 <a:latin typeface="Arial"/>
+                <a:ea typeface="DejaVu Sans"/>
               </a:rPr>
               <a:t>Testing Phase</a:t>
             </a:r>
@@ -20940,7 +21401,7 @@
         <p:spPr>
           <a:xfrm>
             <a:off x="457200" y="1440000"/>
-            <a:ext cx="8228880" cy="2746080"/>
+            <a:ext cx="8228520" cy="2745720"/>
           </a:xfrm>
           <a:prstGeom prst="rect">
             <a:avLst/>
@@ -20961,7 +21422,7 @@
             <a:normAutofit fontScale="61000"/>
           </a:bodyPr>
           <a:p>
-            <a:pPr marL="432000" indent="-323640">
+            <a:pPr marL="432000" indent="-323280">
               <a:lnSpc>
                 <a:spcPct val="100000"/>
               </a:lnSpc>
@@ -20977,7 +21438,11 @@
             </a:pPr>
             <a:r>
               <a:rPr b="0" lang="en-IN" sz="3200" spc="-1" strike="noStrike">
+                <a:solidFill>
+                  <a:srgbClr val="000000"/>
+                </a:solidFill>
                 <a:latin typeface="Arial"/>
+                <a:ea typeface="DejaVu Sans"/>
               </a:rPr>
               <a:t>Input : Trained Model</a:t>
             </a:r>
@@ -20986,7 +21451,7 @@
             </a:endParaRPr>
           </a:p>
           <a:p>
-            <a:pPr marL="432000" indent="-323640">
+            <a:pPr marL="432000" indent="-323280">
               <a:lnSpc>
                 <a:spcPct val="100000"/>
               </a:lnSpc>
@@ -21002,7 +21467,11 @@
             </a:pPr>
             <a:r>
               <a:rPr b="0" lang="en-IN" sz="3200" spc="-1" strike="noStrike">
+                <a:solidFill>
+                  <a:srgbClr val="000000"/>
+                </a:solidFill>
                 <a:latin typeface="Arial"/>
+                <a:ea typeface="DejaVu Sans"/>
               </a:rPr>
               <a:t>We test the current model using a Audio to Expression network(A2E) to guarantee the accurate lip motion.</a:t>
             </a:r>
@@ -21011,7 +21480,7 @@
             </a:endParaRPr>
           </a:p>
           <a:p>
-            <a:pPr marL="432000" indent="-323640">
+            <a:pPr marL="432000" indent="-323280">
               <a:lnSpc>
                 <a:spcPct val="100000"/>
               </a:lnSpc>
@@ -21027,7 +21496,11 @@
             </a:pPr>
             <a:r>
               <a:rPr b="1" lang="en-IN" sz="3200" spc="-1" strike="noStrike">
+                <a:solidFill>
+                  <a:srgbClr val="000000"/>
+                </a:solidFill>
                 <a:latin typeface="Arial"/>
+                <a:ea typeface="DejaVu Sans"/>
               </a:rPr>
               <a:t>A2E</a:t>
             </a:r>
@@ -21036,7 +21509,7 @@
             </a:endParaRPr>
           </a:p>
           <a:p>
-            <a:pPr marL="432000" indent="-323640">
+            <a:pPr marL="432000" indent="-323280">
               <a:lnSpc>
                 <a:spcPct val="100000"/>
               </a:lnSpc>
@@ -21052,7 +21525,11 @@
             </a:pPr>
             <a:r>
               <a:rPr b="0" lang="en-IN" sz="3200" spc="-1" strike="noStrike">
+                <a:solidFill>
+                  <a:srgbClr val="000000"/>
+                </a:solidFill>
                 <a:latin typeface="Arial"/>
+                <a:ea typeface="DejaVu Sans"/>
               </a:rPr>
               <a:t>A neural network model used to map audio to expressions</a:t>
             </a:r>
@@ -21101,7 +21578,7 @@
         <p:spPr>
           <a:xfrm>
             <a:off x="615240" y="144000"/>
-            <a:ext cx="2552400" cy="615600"/>
+            <a:ext cx="2552040" cy="615240"/>
           </a:xfrm>
           <a:prstGeom prst="rect">
             <a:avLst/>
@@ -21162,7 +21639,7 @@
         <p:spPr>
           <a:xfrm>
             <a:off x="8404200" y="4642920"/>
-            <a:ext cx="547560" cy="315720"/>
+            <a:ext cx="547200" cy="315360"/>
           </a:xfrm>
           <a:prstGeom prst="rect">
             <a:avLst/>
@@ -21195,7 +21672,7 @@
         <p:spPr>
           <a:xfrm>
             <a:off x="288000" y="1296000"/>
-            <a:ext cx="4214160" cy="1454400"/>
+            <a:ext cx="4213800" cy="1454040"/>
           </a:xfrm>
           <a:prstGeom prst="rect">
             <a:avLst/>
@@ -21282,7 +21759,7 @@
         <p:spPr>
           <a:xfrm>
             <a:off x="4656960" y="1296000"/>
-            <a:ext cx="3838680" cy="1454400"/>
+            <a:ext cx="3838320" cy="1454040"/>
           </a:xfrm>
           <a:prstGeom prst="rect">
             <a:avLst/>
@@ -21369,7 +21846,7 @@
         <p:spPr>
           <a:xfrm>
             <a:off x="288000" y="2904840"/>
-            <a:ext cx="4214160" cy="1918800"/>
+            <a:ext cx="4213800" cy="1918440"/>
           </a:xfrm>
           <a:prstGeom prst="rect">
             <a:avLst/>
@@ -21472,7 +21949,7 @@
         <p:spPr>
           <a:xfrm>
             <a:off x="4656960" y="2904840"/>
-            <a:ext cx="3838680" cy="1918800"/>
+            <a:ext cx="3838320" cy="1918440"/>
           </a:xfrm>
           <a:prstGeom prst="rect">
             <a:avLst/>
@@ -21559,7 +22036,7 @@
         <p:spPr>
           <a:xfrm>
             <a:off x="3435480" y="1681560"/>
-            <a:ext cx="2136600" cy="2136600"/>
+            <a:ext cx="2136240" cy="2136240"/>
           </a:xfrm>
           <a:prstGeom prst="pie">
             <a:avLst>
@@ -21602,8 +22079,8 @@
         </p:nvSpPr>
         <p:spPr>
           <a:xfrm rot="5400000">
-            <a:off x="3600360" y="1679040"/>
-            <a:ext cx="2136600" cy="2136600"/>
+            <a:off x="3600720" y="1679040"/>
+            <a:ext cx="2136240" cy="2136240"/>
           </a:xfrm>
           <a:prstGeom prst="pie">
             <a:avLst>
@@ -21646,8 +22123,8 @@
         </p:nvSpPr>
         <p:spPr>
           <a:xfrm rot="10800000">
-            <a:off x="3590280" y="1836720"/>
-            <a:ext cx="2136600" cy="2136600"/>
+            <a:off x="3590640" y="1836720"/>
+            <a:ext cx="2136240" cy="2136240"/>
           </a:xfrm>
           <a:prstGeom prst="pie">
             <a:avLst>
@@ -21690,8 +22167,8 @@
         </p:nvSpPr>
         <p:spPr>
           <a:xfrm rot="16200000">
-            <a:off x="3435480" y="1837800"/>
-            <a:ext cx="2136600" cy="2136600"/>
+            <a:off x="3435480" y="1838160"/>
+            <a:ext cx="2136240" cy="2136240"/>
           </a:xfrm>
           <a:prstGeom prst="pie">
             <a:avLst>
@@ -21735,7 +22212,7 @@
         <p:spPr>
           <a:xfrm>
             <a:off x="3816000" y="2127240"/>
-            <a:ext cx="388440" cy="415080"/>
+            <a:ext cx="388080" cy="414720"/>
           </a:xfrm>
           <a:prstGeom prst="rect">
             <a:avLst/>
@@ -21781,7 +22258,7 @@
         <p:spPr>
           <a:xfrm>
             <a:off x="4901760" y="2134080"/>
-            <a:ext cx="311760" cy="404280"/>
+            <a:ext cx="311400" cy="403920"/>
           </a:xfrm>
           <a:prstGeom prst="rect">
             <a:avLst/>
@@ -21827,7 +22304,7 @@
         <p:spPr>
           <a:xfrm>
             <a:off x="3816000" y="3105720"/>
-            <a:ext cx="361080" cy="415080"/>
+            <a:ext cx="360720" cy="414720"/>
           </a:xfrm>
           <a:prstGeom prst="rect">
             <a:avLst/>
@@ -21873,7 +22350,7 @@
         <p:spPr>
           <a:xfrm>
             <a:off x="4896000" y="3123360"/>
-            <a:ext cx="540720" cy="404280"/>
+            <a:ext cx="540360" cy="403920"/>
           </a:xfrm>
           <a:prstGeom prst="rect">
             <a:avLst/>
@@ -21949,7 +22426,7 @@
         <p:spPr>
           <a:xfrm>
             <a:off x="792000" y="288000"/>
-            <a:ext cx="7592400" cy="455760"/>
+            <a:ext cx="7592040" cy="455400"/>
           </a:xfrm>
           <a:prstGeom prst="rect">
             <a:avLst/>
@@ -21977,8 +22454,12 @@
             </a:pPr>
             <a:r>
               <a:rPr b="0" lang="en-IN" sz="3200" spc="-1" strike="noStrike" u="sng">
+                <a:solidFill>
+                  <a:srgbClr val="000000"/>
+                </a:solidFill>
                 <a:uFillTx/>
                 <a:latin typeface="Arial"/>
+                <a:ea typeface="DejaVu Sans"/>
               </a:rPr>
               <a:t>References</a:t>
             </a:r>
@@ -21997,7 +22478,7 @@
         <p:spPr>
           <a:xfrm>
             <a:off x="457200" y="1203480"/>
-            <a:ext cx="8228880" cy="2982600"/>
+            <a:ext cx="8228520" cy="2982240"/>
           </a:xfrm>
           <a:prstGeom prst="rect">
             <a:avLst/>
@@ -22018,7 +22499,7 @@
             <a:normAutofit fontScale="54000"/>
           </a:bodyPr>
           <a:p>
-            <a:pPr marL="432000" indent="-323640">
+            <a:pPr marL="432000" indent="-323280">
               <a:lnSpc>
                 <a:spcPct val="100000"/>
               </a:lnSpc>
@@ -22034,13 +22515,21 @@
             </a:pPr>
             <a:r>
               <a:rPr b="0" lang="en-IN" sz="2400" spc="-1" strike="noStrike">
+                <a:solidFill>
+                  <a:srgbClr val="000000"/>
+                </a:solidFill>
                 <a:latin typeface="Arial"/>
+                <a:ea typeface="DejaVu Sans"/>
               </a:rPr>
               <a:t>“</a:t>
             </a:r>
             <a:r>
               <a:rPr b="0" lang="en-IN" sz="2400" spc="-1" strike="noStrike">
+                <a:solidFill>
+                  <a:srgbClr val="000000"/>
+                </a:solidFill>
                 <a:latin typeface="Arial"/>
+                <a:ea typeface="DejaVu Sans"/>
               </a:rPr>
               <a:t>Synthesizing obama: Learning lip sync from audio,”ACM Transactions on Graphics, vol. 36, no. 4CD, pp.95.1–95.13, 2017.</a:t>
             </a:r>
@@ -22049,7 +22538,7 @@
             </a:endParaRPr>
           </a:p>
           <a:p>
-            <a:pPr marL="432000" indent="-323640">
+            <a:pPr marL="432000" indent="-323280">
               <a:lnSpc>
                 <a:spcPct val="100000"/>
               </a:lnSpc>
@@ -22065,7 +22554,11 @@
             </a:pPr>
             <a:r>
               <a:rPr b="0" lang="en-IN" sz="2400" spc="-1" strike="noStrike">
+                <a:solidFill>
+                  <a:srgbClr val="000000"/>
+                </a:solidFill>
                 <a:latin typeface="Arial"/>
+                <a:ea typeface="DejaVu Sans"/>
               </a:rPr>
               <a:t>Xin Wen, Miao Wang, Christian Richardt, Ze-Yin Chen,and Shi-Min Hu, “Photorealistic audio-driven video portraits,” IEEE Transactions on Visualization and Computer Graphics, vol. 26, no. 12, pp. 3457–3466,2020.</a:t>
             </a:r>
@@ -22074,7 +22567,7 @@
             </a:endParaRPr>
           </a:p>
           <a:p>
-            <a:pPr marL="432000" indent="-323640">
+            <a:pPr marL="432000" indent="-323280">
               <a:lnSpc>
                 <a:spcPct val="100000"/>
               </a:lnSpc>
@@ -22090,7 +22583,11 @@
             </a:pPr>
             <a:r>
               <a:rPr b="0" lang="en-IN" sz="2400" spc="-1" strike="noStrike">
+                <a:solidFill>
+                  <a:srgbClr val="000000"/>
+                </a:solidFill>
                 <a:latin typeface="Arial"/>
+                <a:ea typeface="DejaVu Sans"/>
               </a:rPr>
               <a:t>Lele Chen, Ross K. Maddox, Zhiyao Duan, and Chenliang Xu, “Hierarchical cross-modal talking face generation with dynamic pixel-wise loss,” in 2019 IEEE/CVF Conference on Computer Vision and Pattern Recognition (CVPR), 2019, pp. 7824–7833.</a:t>
             </a:r>
@@ -22139,7 +22636,7 @@
         <p:spPr>
           <a:xfrm>
             <a:off x="457200" y="216000"/>
-            <a:ext cx="8228880" cy="3970080"/>
+            <a:ext cx="8228520" cy="3969720"/>
           </a:xfrm>
           <a:prstGeom prst="rect">
             <a:avLst/>
@@ -22160,7 +22657,7 @@
             <a:normAutofit fontScale="74000"/>
           </a:bodyPr>
           <a:p>
-            <a:pPr marL="432000" indent="-323640">
+            <a:pPr marL="432000" indent="-323280">
               <a:lnSpc>
                 <a:spcPct val="100000"/>
               </a:lnSpc>
@@ -22176,7 +22673,11 @@
             </a:pPr>
             <a:r>
               <a:rPr b="0" lang="en-IN" sz="2400" spc="-1" strike="noStrike">
+                <a:solidFill>
+                  <a:srgbClr val="000000"/>
+                </a:solidFill>
                 <a:latin typeface="Arial"/>
+                <a:ea typeface="DejaVu Sans"/>
               </a:rPr>
               <a:t>K R Prajwal, Rudrabha Mukhopadhyay, Vinay P. Namboodiri, and C.V. Jawahar, “A lip sync expert is all you need for speech to lip generation in the wild,” in Proceedings of the 28th ACM International Conference on Multimedia, New York, NY, USA, 2020, MM ’20, p.484–492, Association for Computing Machinery.</a:t>
             </a:r>
@@ -22185,7 +22686,7 @@
             </a:endParaRPr>
           </a:p>
           <a:p>
-            <a:pPr marL="432000" indent="-323640">
+            <a:pPr marL="432000" indent="-323280">
               <a:lnSpc>
                 <a:spcPct val="100000"/>
               </a:lnSpc>
@@ -22201,7 +22702,11 @@
             </a:pPr>
             <a:r>
               <a:rPr b="0" lang="en-IN" sz="2400" spc="-1" strike="noStrike">
+                <a:solidFill>
+                  <a:srgbClr val="000000"/>
+                </a:solidFill>
                 <a:latin typeface="Arial"/>
+                <a:ea typeface="DejaVu Sans"/>
               </a:rPr>
               <a:t>Yang Zhou, Xintong Han, Eli Shechtman, Jose Echevarria, Evangelos Kalogerakis, and Dingzeyu Li,“Makelttalk,” ACM Transactions on Graphics, vol. 39,no. 6, pp. 1–15, Nov 2020.</a:t>
             </a:r>
@@ -22210,7 +22715,7 @@
             </a:endParaRPr>
           </a:p>
           <a:p>
-            <a:pPr marL="432000" indent="-323640">
+            <a:pPr marL="432000" indent="-323280">
               <a:lnSpc>
                 <a:spcPct val="100000"/>
               </a:lnSpc>
@@ -22226,7 +22731,11 @@
             </a:pPr>
             <a:r>
               <a:rPr b="0" lang="en-IN" sz="2400" spc="-1" strike="noStrike">
+                <a:solidFill>
+                  <a:srgbClr val="000000"/>
+                </a:solidFill>
                 <a:latin typeface="Arial"/>
+                <a:ea typeface="DejaVu Sans"/>
               </a:rPr>
               <a:t>Yurui Ren, Ge Li, Yuanqi Chen, Thomas H. Li, and Shan Liu, “Pirenderer: Controllable portrait image generation via semantic neural rendering,” 2021.</a:t>
             </a:r>
@@ -22275,7 +22784,7 @@
         <p:spPr>
           <a:xfrm>
             <a:off x="457200" y="432000"/>
-            <a:ext cx="8228880" cy="3754080"/>
+            <a:ext cx="8228520" cy="3753720"/>
           </a:xfrm>
           <a:prstGeom prst="rect">
             <a:avLst/>
@@ -22296,7 +22805,7 @@
             <a:normAutofit fontScale="69000"/>
           </a:bodyPr>
           <a:p>
-            <a:pPr marL="432000" indent="-323640">
+            <a:pPr marL="432000" indent="-323280">
               <a:lnSpc>
                 <a:spcPct val="100000"/>
               </a:lnSpc>
@@ -22312,7 +22821,11 @@
             </a:pPr>
             <a:r>
               <a:rPr b="0" lang="en-IN" sz="2400" spc="-1" strike="noStrike">
+                <a:solidFill>
+                  <a:srgbClr val="000000"/>
+                </a:solidFill>
                 <a:latin typeface="Arial"/>
+                <a:ea typeface="DejaVu Sans"/>
               </a:rPr>
               <a:t>Chenxu Zhang, Saifeng Ni, Zhipeng Fan, Hongbo Li,Ming Zeng, Madhukar Budagavi, and Xiaohu Guo, “3d talking face with personalized pose dynamics,” IEEE Transactions on Visualization and Computer Graphics,pp. 1–1, 2021.</a:t>
             </a:r>
@@ -22321,7 +22834,7 @@
             </a:endParaRPr>
           </a:p>
           <a:p>
-            <a:pPr marL="432000" indent="-323640">
+            <a:pPr marL="432000" indent="-323280">
               <a:lnSpc>
                 <a:spcPct val="100000"/>
               </a:lnSpc>
@@ -22337,7 +22850,11 @@
             </a:pPr>
             <a:r>
               <a:rPr b="0" lang="en-IN" sz="2400" spc="-1" strike="noStrike">
+                <a:solidFill>
+                  <a:srgbClr val="000000"/>
+                </a:solidFill>
                 <a:latin typeface="Arial"/>
+                <a:ea typeface="DejaVu Sans"/>
               </a:rPr>
               <a:t>Chenxu Zhang, Yifan Zhao, Yifei Huang, Ming Zeng,Saifeng Ni, Madhukar Budagavi, and Xiaohu Guo, “FA-CIAL: synthesizing dynamic talking face with implicit attribute learning,” CoRR, vol. Abs/2108.07938, 2021.</a:t>
             </a:r>
@@ -22346,7 +22863,7 @@
             </a:endParaRPr>
           </a:p>
           <a:p>
-            <a:pPr marL="432000" indent="-323640">
+            <a:pPr marL="432000" indent="-323280">
               <a:lnSpc>
                 <a:spcPct val="100000"/>
               </a:lnSpc>
@@ -22362,7 +22879,11 @@
             </a:pPr>
             <a:r>
               <a:rPr b="0" lang="en-IN" sz="2400" spc="-1" strike="noStrike">
+                <a:solidFill>
+                  <a:srgbClr val="000000"/>
+                </a:solidFill>
                 <a:latin typeface="Arial"/>
+                <a:ea typeface="DejaVu Sans"/>
               </a:rPr>
               <a:t>Triantafyllos Afouras, Joon Son Chung, Andrew Senior,Oriol Vinyals, and Andrew Zisserman, “Deep audio-visual speech recognition,” IEEE Transactions on Pattern Analysis and Machine Intelligence, pp. 1–1, 2018.</a:t>
             </a:r>
@@ -22411,7 +22932,7 @@
         <p:spPr>
           <a:xfrm>
             <a:off x="457200" y="360000"/>
-            <a:ext cx="8228880" cy="3826080"/>
+            <a:ext cx="8228520" cy="3825720"/>
           </a:xfrm>
           <a:prstGeom prst="rect">
             <a:avLst/>
@@ -22432,7 +22953,7 @@
             <a:normAutofit fontScale="94000"/>
           </a:bodyPr>
           <a:p>
-            <a:pPr marL="432000" indent="-323640">
+            <a:pPr marL="432000" indent="-323280">
               <a:lnSpc>
                 <a:spcPct val="100000"/>
               </a:lnSpc>
@@ -22448,7 +22969,11 @@
             </a:pPr>
             <a:r>
               <a:rPr b="0" lang="en-IN" sz="2400" spc="-1" strike="noStrike">
+                <a:solidFill>
+                  <a:srgbClr val="000000"/>
+                </a:solidFill>
                 <a:latin typeface="Arial"/>
+                <a:ea typeface="DejaVu Sans"/>
               </a:rPr>
               <a:t>Yu Deng, Jiaolong Yang, Sicheng Xu, Dong Chen,Yunde Jia, and Xin Tong, “Accurate 3d face reconstruction with weakly-supervised learning: From single image to image set,” in 2019 IEEE/CVF Conference on Computer Vision and Pattern Recognition Workshops(CVPRW), 2019, pp. 285–295.</a:t>
             </a:r>
@@ -22457,7 +22982,7 @@
             </a:endParaRPr>
           </a:p>
           <a:p>
-            <a:pPr marL="432000" indent="-323640">
+            <a:pPr marL="432000" indent="-323280">
               <a:lnSpc>
                 <a:spcPct val="100000"/>
               </a:lnSpc>
@@ -22473,7 +22998,11 @@
             </a:pPr>
             <a:r>
               <a:rPr b="0" lang="en-IN" sz="2400" spc="-1" strike="noStrike">
+                <a:solidFill>
+                  <a:srgbClr val="000000"/>
+                </a:solidFill>
                 <a:latin typeface="Arial"/>
+                <a:ea typeface="DejaVu Sans"/>
               </a:rPr>
               <a:t>Pascal Paysan, Reinhard Knothe, Brian Amberg, Sami Romdhani, and Thomas Vetter, “A 3d face model for pose and illumination invariant face recognition,” in 2009 Sixth IEEE International Conference on Advanced Video and Signal Based Surveillance, 2009, pp. 296–301.</a:t>
             </a:r>
@@ -22522,7 +23051,7 @@
         <p:spPr>
           <a:xfrm>
             <a:off x="457200" y="360000"/>
-            <a:ext cx="8228880" cy="3826080"/>
+            <a:ext cx="8228520" cy="3825720"/>
           </a:xfrm>
           <a:prstGeom prst="rect">
             <a:avLst/>
@@ -22543,7 +23072,7 @@
             <a:normAutofit/>
           </a:bodyPr>
           <a:p>
-            <a:pPr marL="432000" indent="-323640">
+            <a:pPr marL="432000" indent="-323280">
               <a:lnSpc>
                 <a:spcPct val="100000"/>
               </a:lnSpc>
@@ -22559,7 +23088,11 @@
             </a:pPr>
             <a:r>
               <a:rPr b="0" lang="en-IN" sz="2400" spc="-1" strike="noStrike">
+                <a:solidFill>
+                  <a:srgbClr val="000000"/>
+                </a:solidFill>
                 <a:latin typeface="Arial"/>
+                <a:ea typeface="DejaVu Sans"/>
               </a:rPr>
               <a:t>Yudong Guo, juyong zhang, Jianfei Cai, Boyi Jiang, and Jianmin Zheng, “Cnn-based real-time dense face reconstruction with inverse-rendered photo-realistic face images,” IEEE Transactions on Pattern Analysis and Machine Intelligence, vol. 41, no. 6, pp. 1294–1307, 2019</a:t>
             </a:r>
@@ -22568,7 +23101,7 @@
             </a:endParaRPr>
           </a:p>
           <a:p>
-            <a:pPr marL="432000" indent="-323640">
+            <a:pPr marL="432000" indent="-323280">
               <a:lnSpc>
                 <a:spcPct val="100000"/>
               </a:lnSpc>
@@ -22584,7 +23117,11 @@
             </a:pPr>
             <a:r>
               <a:rPr b="0" lang="en-IN" sz="2400" spc="-1" strike="noStrike">
+                <a:solidFill>
+                  <a:srgbClr val="000000"/>
+                </a:solidFill>
                 <a:latin typeface="Arial"/>
+                <a:ea typeface="DejaVu Sans"/>
               </a:rPr>
               <a:t>Chen Cao, Yanlin Weng, Shun Zhou, Yiying Tong, and Kun Zhou, “Facewarehouse: A 3d facial expression database for visual computing,” IEEE Transactions on Visualization and Computer Graphics, vol. 20, no. 3, pp.413–425, 2014.</a:t>
             </a:r>
@@ -22633,7 +23170,7 @@
         <p:spPr>
           <a:xfrm>
             <a:off x="457200" y="360000"/>
-            <a:ext cx="8228880" cy="3826080"/>
+            <a:ext cx="8228520" cy="3825720"/>
           </a:xfrm>
           <a:prstGeom prst="rect">
             <a:avLst/>
@@ -22654,7 +23191,7 @@
             <a:normAutofit/>
           </a:bodyPr>
           <a:p>
-            <a:pPr marL="432000" indent="-323640">
+            <a:pPr marL="432000" indent="-323280">
               <a:lnSpc>
                 <a:spcPct val="100000"/>
               </a:lnSpc>
@@ -22670,7 +23207,11 @@
             </a:pPr>
             <a:r>
               <a:rPr b="0" lang="en-IN" sz="2600" spc="-1" strike="noStrike">
+                <a:solidFill>
+                  <a:srgbClr val="000000"/>
+                </a:solidFill>
                 <a:latin typeface="Arial"/>
+                <a:ea typeface="DejaVu Sans"/>
               </a:rPr>
               <a:t>R. Ramamoorthi and P. Hanrahan, “An efficient repre-sentation for irradiance environment maps,” Proceed-ings of the 28th annual conference on Computer graph-ics and interactive techniques, 2001.</a:t>
             </a:r>
@@ -22679,7 +23220,7 @@
             </a:endParaRPr>
           </a:p>
           <a:p>
-            <a:pPr marL="432000" indent="-323640">
+            <a:pPr marL="432000" indent="-323280">
               <a:lnSpc>
                 <a:spcPct val="100000"/>
               </a:lnSpc>
@@ -22695,7 +23236,11 @@
             </a:pPr>
             <a:r>
               <a:rPr b="0" lang="en-IN" sz="2600" spc="-1" strike="noStrike">
+                <a:solidFill>
+                  <a:srgbClr val="000000"/>
+                </a:solidFill>
                 <a:latin typeface="Arial"/>
+                <a:ea typeface="DejaVu Sans"/>
               </a:rPr>
               <a:t>Phillip Isola, Jun-Yan Zhu, Tinghui Zhou, and Alexei A.Efros, “Image-to-image translation with conditional adversarial networks,” 2018.</a:t>
             </a:r>
@@ -22744,7 +23289,7 @@
         <p:spPr>
           <a:xfrm>
             <a:off x="2592000" y="1872000"/>
-            <a:ext cx="3671640" cy="771120"/>
+            <a:ext cx="3671280" cy="770760"/>
           </a:xfrm>
           <a:prstGeom prst="rect">
             <a:avLst/>
@@ -22772,7 +23317,11 @@
             </a:pPr>
             <a:r>
               <a:rPr b="0" lang="en-IN" sz="4800" spc="-1" strike="noStrike">
+                <a:solidFill>
+                  <a:srgbClr val="000000"/>
+                </a:solidFill>
                 <a:latin typeface="Arial"/>
+                <a:ea typeface="DejaVu Sans"/>
               </a:rPr>
               <a:t>Thank You</a:t>
             </a:r>
@@ -22820,13 +23369,13 @@
         </p:nvPicPr>
         <p:blipFill>
           <a:blip r:embed="rId1"/>
-          <a:srcRect l="0" t="0" r="20896" b="32606"/>
+          <a:srcRect l="0" t="0" r="20896" b="32601"/>
           <a:stretch/>
         </p:blipFill>
         <p:spPr>
           <a:xfrm rot="19200">
             <a:off x="6941520" y="1982160"/>
-            <a:ext cx="2219760" cy="2527200"/>
+            <a:ext cx="2219400" cy="2526840"/>
           </a:xfrm>
           <a:prstGeom prst="rect">
             <a:avLst/>
@@ -22845,7 +23394,7 @@
         <p:spPr>
           <a:xfrm>
             <a:off x="2952000" y="-72000"/>
-            <a:ext cx="2854080" cy="857880"/>
+            <a:ext cx="2853720" cy="857520"/>
           </a:xfrm>
           <a:prstGeom prst="rect">
             <a:avLst/>
@@ -22897,7 +23446,7 @@
         <p:spPr>
           <a:xfrm>
             <a:off x="1008000" y="864000"/>
-            <a:ext cx="5831280" cy="3501000"/>
+            <a:ext cx="5830920" cy="3500640"/>
           </a:xfrm>
           <a:prstGeom prst="rect">
             <a:avLst/>
@@ -23004,7 +23553,7 @@
         <p:spPr>
           <a:xfrm>
             <a:off x="792000" y="310680"/>
-            <a:ext cx="7592400" cy="624960"/>
+            <a:ext cx="7592040" cy="624600"/>
           </a:xfrm>
           <a:prstGeom prst="rect">
             <a:avLst/>
@@ -23032,8 +23581,12 @@
             </a:pPr>
             <a:r>
               <a:rPr b="1" lang="en-IN" sz="4400" spc="-1" strike="noStrike" u="sng">
+                <a:solidFill>
+                  <a:srgbClr val="000000"/>
+                </a:solidFill>
                 <a:uFillTx/>
                 <a:latin typeface="Arial"/>
+                <a:ea typeface="DejaVu Sans"/>
               </a:rPr>
               <a:t>Scope</a:t>
             </a:r>
@@ -23052,7 +23605,7 @@
         <p:spPr>
           <a:xfrm>
             <a:off x="457200" y="1203480"/>
-            <a:ext cx="8228880" cy="2982600"/>
+            <a:ext cx="8228520" cy="2982240"/>
           </a:xfrm>
           <a:prstGeom prst="rect">
             <a:avLst/>
@@ -23073,7 +23626,7 @@
             <a:normAutofit fontScale="97000"/>
           </a:bodyPr>
           <a:p>
-            <a:pPr marL="432000" indent="-323640">
+            <a:pPr marL="432000" indent="-323280">
               <a:lnSpc>
                 <a:spcPct val="100000"/>
               </a:lnSpc>
@@ -23089,7 +23642,11 @@
             </a:pPr>
             <a:r>
               <a:rPr b="0" lang="en-IN" sz="3200" spc="-1" strike="noStrike">
+                <a:solidFill>
+                  <a:srgbClr val="000000"/>
+                </a:solidFill>
                 <a:latin typeface="Arial"/>
+                <a:ea typeface="DejaVu Sans"/>
               </a:rPr>
               <a:t>Virtual Education</a:t>
             </a:r>
@@ -23098,7 +23655,7 @@
             </a:endParaRPr>
           </a:p>
           <a:p>
-            <a:pPr marL="432000" indent="-323640">
+            <a:pPr marL="432000" indent="-323280">
               <a:lnSpc>
                 <a:spcPct val="100000"/>
               </a:lnSpc>
@@ -23114,7 +23671,11 @@
             </a:pPr>
             <a:r>
               <a:rPr b="0" lang="en-IN" sz="3200" spc="-1" strike="noStrike">
+                <a:solidFill>
+                  <a:srgbClr val="000000"/>
+                </a:solidFill>
                 <a:latin typeface="Arial"/>
+                <a:ea typeface="DejaVu Sans"/>
               </a:rPr>
               <a:t>Videoconferencing</a:t>
             </a:r>
@@ -23123,7 +23684,7 @@
             </a:endParaRPr>
           </a:p>
           <a:p>
-            <a:pPr marL="432000" indent="-323640">
+            <a:pPr marL="432000" indent="-323280">
               <a:lnSpc>
                 <a:spcPct val="100000"/>
               </a:lnSpc>
@@ -23139,7 +23700,11 @@
             </a:pPr>
             <a:r>
               <a:rPr b="0" lang="en-IN" sz="3200" spc="-1" strike="noStrike">
+                <a:solidFill>
+                  <a:srgbClr val="000000"/>
+                </a:solidFill>
                 <a:latin typeface="Arial"/>
+                <a:ea typeface="DejaVu Sans"/>
               </a:rPr>
               <a:t>Game</a:t>
             </a:r>
@@ -23148,7 +23713,7 @@
             </a:endParaRPr>
           </a:p>
           <a:p>
-            <a:pPr marL="432000" indent="-323640">
+            <a:pPr marL="432000" indent="-323280">
               <a:lnSpc>
                 <a:spcPct val="100000"/>
               </a:lnSpc>
@@ -23164,7 +23729,11 @@
             </a:pPr>
             <a:r>
               <a:rPr b="0" lang="en-IN" sz="3200" spc="-1" strike="noStrike">
+                <a:solidFill>
+                  <a:srgbClr val="000000"/>
+                </a:solidFill>
                 <a:latin typeface="Arial"/>
+                <a:ea typeface="DejaVu Sans"/>
               </a:rPr>
               <a:t>Entertainment</a:t>
             </a:r>
@@ -23173,7 +23742,7 @@
             </a:endParaRPr>
           </a:p>
           <a:p>
-            <a:pPr marL="432000" indent="-323640">
+            <a:pPr marL="432000" indent="-323280">
               <a:lnSpc>
                 <a:spcPct val="100000"/>
               </a:lnSpc>
@@ -23189,7 +23758,11 @@
             </a:pPr>
             <a:r>
               <a:rPr b="0" lang="en-IN" sz="3200" spc="-1" strike="noStrike">
+                <a:solidFill>
+                  <a:srgbClr val="000000"/>
+                </a:solidFill>
                 <a:latin typeface="Arial"/>
+                <a:ea typeface="DejaVu Sans"/>
               </a:rPr>
               <a:t>Film and Television Animation</a:t>
             </a:r>
@@ -24039,7 +24612,7 @@
         <p:spPr>
           <a:xfrm>
             <a:off x="2736000" y="72000"/>
-            <a:ext cx="3887640" cy="545760"/>
+            <a:ext cx="3887280" cy="545400"/>
           </a:xfrm>
           <a:prstGeom prst="rect">
             <a:avLst/>
@@ -24067,8 +24640,12 @@
             </a:pPr>
             <a:r>
               <a:rPr b="1" lang="en-IN" sz="3200" spc="-1" strike="noStrike" u="sng">
+                <a:solidFill>
+                  <a:srgbClr val="000000"/>
+                </a:solidFill>
                 <a:uFillTx/>
                 <a:latin typeface="Arial"/>
+                <a:ea typeface="DejaVu Sans"/>
               </a:rPr>
               <a:t>Literature Survey</a:t>
             </a:r>
@@ -26386,7 +26963,7 @@
         <p:spPr>
           <a:xfrm>
             <a:off x="720000" y="1476720"/>
-            <a:ext cx="7592400" cy="1834920"/>
+            <a:ext cx="7592040" cy="1834560"/>
           </a:xfrm>
           <a:prstGeom prst="rect">
             <a:avLst/>
@@ -26414,7 +26991,11 @@
             </a:pPr>
             <a:r>
               <a:rPr b="1" lang="en-IN" sz="4400" spc="-1" strike="noStrike">
+                <a:solidFill>
+                  <a:srgbClr val="000000"/>
+                </a:solidFill>
                 <a:latin typeface="Arial"/>
+                <a:ea typeface="DejaVu Sans"/>
               </a:rPr>
               <a:t>Let’s Start</a:t>
             </a:r>
